--- a/Aufgaben/P4/Loesung/Wochenplansoftware - Architekturbewertung.pptx
+++ b/Aufgaben/P4/Loesung/Wochenplansoftware - Architekturbewertung.pptx
@@ -15,7 +15,9 @@
     <p:sldId id="263" r:id="rId9"/>
     <p:sldId id="264" r:id="rId10"/>
     <p:sldId id="265" r:id="rId11"/>
-    <p:sldId id="266" r:id="rId12"/>
+    <p:sldId id="267" r:id="rId12"/>
+    <p:sldId id="266" r:id="rId13"/>
+    <p:sldId id="268" r:id="rId14"/>
   </p:sldIdLst>
   <p:sldSz cx="12192000" cy="6858000"/>
   <p:notesSz cx="6858000" cy="9144000"/>
@@ -348,7 +350,7 @@
           <a:p>
             <a:fld id="{4BDF68E2-58F2-4D09-BE8B-E3BD06533059}" type="datetimeFigureOut">
               <a:rPr lang="en-US" dirty="0"/>
-              <a:t>6/5/2016</a:t>
+              <a:t>6/7/2016</a:t>
             </a:fld>
             <a:endParaRPr lang="en-US" dirty="0"/>
           </a:p>
@@ -551,7 +553,7 @@
           <a:p>
             <a:fld id="{2E2D6473-DF6D-4702-B328-E0DD40540A4E}" type="datetimeFigureOut">
               <a:rPr lang="en-US" dirty="0"/>
-              <a:t>6/5/2016</a:t>
+              <a:t>6/7/2016</a:t>
             </a:fld>
             <a:endParaRPr lang="en-US" dirty="0"/>
           </a:p>
@@ -802,7 +804,7 @@
           <a:p>
             <a:fld id="{E26F7E3A-B166-407D-9866-32884E7D5B37}" type="datetimeFigureOut">
               <a:rPr lang="en-US" dirty="0"/>
-              <a:t>6/5/2016</a:t>
+              <a:t>6/7/2016</a:t>
             </a:fld>
             <a:endParaRPr lang="en-US" dirty="0"/>
           </a:p>
@@ -971,7 +973,7 @@
           <a:p>
             <a:fld id="{528FC5F6-F338-4AE4-BB23-26385BCFC423}" type="datetimeFigureOut">
               <a:rPr lang="en-US" dirty="0"/>
-              <a:t>6/5/2016</a:t>
+              <a:t>6/7/2016</a:t>
             </a:fld>
             <a:endParaRPr lang="en-US" dirty="0"/>
           </a:p>
@@ -1309,7 +1311,7 @@
           <a:p>
             <a:fld id="{20EBB0C4-6273-4C6E-B9BD-2EDC30F1CD52}" type="datetimeFigureOut">
               <a:rPr lang="en-US" dirty="0"/>
-              <a:t>6/5/2016</a:t>
+              <a:t>6/7/2016</a:t>
             </a:fld>
             <a:endParaRPr lang="en-US" dirty="0"/>
           </a:p>
@@ -1579,7 +1581,7 @@
           <a:p>
             <a:fld id="{19AB4D41-86C1-4908-B66A-0B50CEB3BF29}" type="datetimeFigureOut">
               <a:rPr lang="en-US" dirty="0"/>
-              <a:t>6/5/2016</a:t>
+              <a:t>6/7/2016</a:t>
             </a:fld>
             <a:endParaRPr lang="en-US" dirty="0"/>
           </a:p>
@@ -1953,7 +1955,7 @@
           <a:p>
             <a:fld id="{E6426E2C-56C1-4E0D-A793-0088A7FDD37E}" type="datetimeFigureOut">
               <a:rPr lang="en-US" dirty="0"/>
-              <a:t>6/5/2016</a:t>
+              <a:t>6/7/2016</a:t>
             </a:fld>
             <a:endParaRPr lang="en-US" dirty="0"/>
           </a:p>
@@ -2066,7 +2068,7 @@
           <a:p>
             <a:fld id="{C8C39B41-D8B5-4052-B551-9B5525EAA8B6}" type="datetimeFigureOut">
               <a:rPr lang="en-US" dirty="0"/>
-              <a:t>6/5/2016</a:t>
+              <a:t>6/7/2016</a:t>
             </a:fld>
             <a:endParaRPr lang="en-US" dirty="0"/>
           </a:p>
@@ -2232,7 +2234,7 @@
           <a:p>
             <a:fld id="{4D94136C-8742-45B2-AF27-D93DF72833A9}" type="datetimeFigureOut">
               <a:rPr lang="en-US" dirty="0"/>
-              <a:t>6/5/2016</a:t>
+              <a:t>6/7/2016</a:t>
             </a:fld>
             <a:endParaRPr lang="en-US" dirty="0"/>
           </a:p>
@@ -2582,7 +2584,7 @@
           <a:p>
             <a:fld id="{32ABBEA6-7C60-4B02-AE87-00D78D8422AF}" type="datetimeFigureOut">
               <a:rPr lang="en-US" dirty="0"/>
-              <a:t>6/5/2016</a:t>
+              <a:t>6/7/2016</a:t>
             </a:fld>
             <a:endParaRPr lang="en-US" dirty="0"/>
           </a:p>
@@ -2960,7 +2962,7 @@
           <a:p>
             <a:fld id="{C9CAD897-D46E-4AD2-BD9B-49DD3E640873}" type="datetimeFigureOut">
               <a:rPr lang="en-US" dirty="0"/>
-              <a:t>6/5/2016</a:t>
+              <a:t>6/7/2016</a:t>
             </a:fld>
             <a:endParaRPr lang="en-US" dirty="0"/>
           </a:p>
@@ -3242,7 +3244,7 @@
           <a:p>
             <a:fld id="{98624D31-43A5-475A-80CF-332C9F6DCF35}" type="datetimeFigureOut">
               <a:rPr lang="en-US" dirty="0"/>
-              <a:t>6/5/2016</a:t>
+              <a:t>6/7/2016</a:t>
             </a:fld>
             <a:endParaRPr lang="en-US" dirty="0"/>
           </a:p>
@@ -3911,13 +3913,18 @@
               <a:buChar char="•"/>
             </a:pPr>
             <a:r>
-              <a:rPr lang="de-DE" b="1" i="1" dirty="0" smtClean="0"/>
+              <a:rPr lang="de-DE" sz="2200" b="1" i="1" dirty="0" smtClean="0"/>
               <a:t>Erscheint </a:t>
             </a:r>
             <a:r>
-              <a:rPr lang="de-DE" b="1" i="1" dirty="0"/>
-              <a:t>Ihnen der Entwurf angemessen komplex? Ist er zu kompliziert oder vereinfacht er zu stark?</a:t>
-            </a:r>
+              <a:rPr lang="de-DE" sz="2200" b="1" i="1" dirty="0"/>
+              <a:t>Ihnen der Entwurf angemessen komplex? Ist er zu kompliziert oder vereinfacht er zu stark</a:t>
+            </a:r>
+            <a:r>
+              <a:rPr lang="de-DE" sz="2200" b="1" i="1" dirty="0" smtClean="0"/>
+              <a:t>?</a:t>
+            </a:r>
+            <a:endParaRPr lang="de-DE" sz="2200" b="1" i="1" dirty="0"/>
           </a:p>
           <a:p>
             <a:pPr lvl="1">
@@ -3925,9 +3932,10 @@
               <a:buChar char="•"/>
             </a:pPr>
             <a:r>
-              <a:rPr lang="de-DE" dirty="0"/>
-              <a:t>…</a:t>
-            </a:r>
+              <a:rPr lang="de-DE" sz="2000" dirty="0" smtClean="0"/>
+              <a:t>Der Entwurf  schafft eine gute erste Übersicht über die Systemlandschaft</a:t>
+            </a:r>
+            <a:endParaRPr lang="de-DE" sz="2000" dirty="0" smtClean="0"/>
           </a:p>
           <a:p>
             <a:pPr lvl="1">
@@ -3935,48 +3943,122 @@
               <a:buChar char="•"/>
             </a:pPr>
             <a:r>
-              <a:rPr lang="de-DE" dirty="0"/>
-              <a:t>…</a:t>
-            </a:r>
-          </a:p>
-          <a:p>
-            <a:pPr>
-              <a:buFont typeface="Arial" panose="020B0604020202020204" pitchFamily="34" charset="0"/>
-              <a:buChar char="•"/>
-            </a:pPr>
-            <a:r>
-              <a:rPr lang="de-DE" b="1" i="1" dirty="0" smtClean="0"/>
-              <a:t>Lässt </a:t>
-            </a:r>
-            <a:r>
-              <a:rPr lang="de-DE" b="1" i="1" dirty="0"/>
-              <a:t>sich die Software ggf. in mehreren parallelen Teams entwickeln, oder ist die Kopplung der Komponenten zu eng</a:t>
-            </a:r>
-            <a:r>
-              <a:rPr lang="de-DE" b="1" i="1" dirty="0" smtClean="0"/>
-              <a:t>?</a:t>
-            </a:r>
-          </a:p>
-          <a:p>
-            <a:pPr lvl="1">
-              <a:buFont typeface="Arial" panose="020B0604020202020204" pitchFamily="34" charset="0"/>
-              <a:buChar char="•"/>
-            </a:pPr>
-            <a:r>
-              <a:rPr lang="de-DE" dirty="0" smtClean="0"/>
-              <a:t>…</a:t>
-            </a:r>
-          </a:p>
-          <a:p>
-            <a:pPr lvl="1">
-              <a:buFont typeface="Arial" panose="020B0604020202020204" pitchFamily="34" charset="0"/>
-              <a:buChar char="•"/>
-            </a:pPr>
-            <a:r>
-              <a:rPr lang="de-DE" dirty="0" smtClean="0"/>
-              <a:t>…</a:t>
-            </a:r>
-            <a:endParaRPr lang="de-DE" dirty="0"/>
+              <a:rPr lang="de-DE" sz="2000" dirty="0" smtClean="0"/>
+              <a:t>Allerdings werden einige Architekturentscheidungen zu schwach beschrieben</a:t>
+            </a:r>
+          </a:p>
+          <a:p>
+            <a:pPr lvl="2">
+              <a:buFont typeface="Arial" panose="020B0604020202020204" pitchFamily="34" charset="0"/>
+              <a:buChar char="•"/>
+            </a:pPr>
+            <a:r>
+              <a:rPr lang="de-DE" sz="1800" dirty="0" smtClean="0"/>
+              <a:t>Betrieb </a:t>
+            </a:r>
+            <a:r>
+              <a:rPr lang="de-DE" sz="1800" dirty="0"/>
+              <a:t>von drei unabhängigen "</a:t>
+            </a:r>
+            <a:r>
+              <a:rPr lang="de-DE" sz="1800" dirty="0" err="1"/>
+              <a:t>Swarms</a:t>
+            </a:r>
+            <a:r>
+              <a:rPr lang="de-DE" sz="1800" dirty="0"/>
+              <a:t>" aus jeweils vier Servern in drei </a:t>
+            </a:r>
+            <a:r>
+              <a:rPr lang="de-DE" sz="1800" dirty="0" smtClean="0"/>
+              <a:t>Zonen</a:t>
+            </a:r>
+          </a:p>
+          <a:p>
+            <a:pPr lvl="3">
+              <a:buFont typeface="Arial" panose="020B0604020202020204" pitchFamily="34" charset="0"/>
+              <a:buChar char="•"/>
+            </a:pPr>
+            <a:r>
+              <a:rPr lang="de-DE" sz="1600" dirty="0" smtClean="0"/>
+              <a:t>Wo liegen diese Zonen? Wie weit liegen diese Zonen auseinander?</a:t>
+            </a:r>
+          </a:p>
+          <a:p>
+            <a:pPr marL="566928" lvl="3" indent="0">
+              <a:buNone/>
+            </a:pPr>
+            <a:endParaRPr lang="de-DE" sz="1600" dirty="0" smtClean="0"/>
+          </a:p>
+          <a:p>
+            <a:pPr lvl="2">
+              <a:buFont typeface="Arial" panose="020B0604020202020204" pitchFamily="34" charset="0"/>
+              <a:buChar char="•"/>
+            </a:pPr>
+            <a:r>
+              <a:rPr lang="de-DE" sz="1800" dirty="0" smtClean="0"/>
+              <a:t>Wie Sieht es mit der Hardwareausstattung der Server aus?</a:t>
+            </a:r>
+          </a:p>
+          <a:p>
+            <a:pPr marL="384048" lvl="2" indent="0">
+              <a:buNone/>
+            </a:pPr>
+            <a:endParaRPr lang="de-DE" sz="1600" dirty="0" smtClean="0"/>
+          </a:p>
+          <a:p>
+            <a:pPr lvl="2">
+              <a:buFont typeface="Arial" panose="020B0604020202020204" pitchFamily="34" charset="0"/>
+              <a:buChar char="•"/>
+            </a:pPr>
+            <a:r>
+              <a:rPr lang="de-DE" sz="1800" dirty="0" smtClean="0"/>
+              <a:t>System soll mit der </a:t>
+            </a:r>
+            <a:r>
+              <a:rPr lang="de-DE" sz="1800" dirty="0" err="1" smtClean="0"/>
+              <a:t>Microservices</a:t>
+            </a:r>
+            <a:r>
+              <a:rPr lang="de-DE" sz="1800" dirty="0" smtClean="0"/>
+              <a:t> Architektur entwickelt werden</a:t>
+            </a:r>
+          </a:p>
+          <a:p>
+            <a:pPr lvl="3">
+              <a:buFont typeface="Arial" panose="020B0604020202020204" pitchFamily="34" charset="0"/>
+              <a:buChar char="•"/>
+            </a:pPr>
+            <a:r>
+              <a:rPr lang="de-DE" sz="1600" dirty="0" smtClean="0"/>
+              <a:t>Wie ist die Aufteilung der einzelnen Services auf jeweils 4 Servern geplant?</a:t>
+            </a:r>
+          </a:p>
+          <a:p>
+            <a:pPr lvl="3">
+              <a:buFont typeface="Arial" panose="020B0604020202020204" pitchFamily="34" charset="0"/>
+              <a:buChar char="•"/>
+            </a:pPr>
+            <a:r>
+              <a:rPr lang="de-DE" sz="1600" dirty="0" smtClean="0"/>
+              <a:t>Wie findet die Synchronisation zwischen den einzelnen </a:t>
+            </a:r>
+            <a:r>
+              <a:rPr lang="de-DE" sz="1600" dirty="0" err="1" smtClean="0"/>
+              <a:t>Swarms</a:t>
+            </a:r>
+            <a:r>
+              <a:rPr lang="de-DE" sz="1600" dirty="0" smtClean="0"/>
+              <a:t> statt (</a:t>
+            </a:r>
+            <a:r>
+              <a:rPr lang="de-DE" sz="1600" dirty="0" err="1" smtClean="0"/>
+              <a:t>Consul</a:t>
+            </a:r>
+            <a:r>
+              <a:rPr lang="de-DE" sz="1600" dirty="0" smtClean="0"/>
+              <a:t>)?</a:t>
+            </a:r>
+            <a:endParaRPr lang="de-DE" sz="1600" dirty="0"/>
           </a:p>
         </p:txBody>
       </p:sp>
@@ -3990,6 +4072,13 @@
   <p:clrMapOvr>
     <a:masterClrMapping/>
   </p:clrMapOvr>
+  <p:timing>
+    <p:tnLst>
+      <p:par>
+        <p:cTn id="1" dur="indefinite" restart="never" nodeType="tmRoot"/>
+      </p:par>
+    </p:tnLst>
+  </p:timing>
 </p:sld>
 </file>
 
@@ -4027,7 +4116,11 @@
           <a:p>
             <a:r>
               <a:rPr lang="de-DE" dirty="0" smtClean="0"/>
-              <a:t>Architekturbewertung – Allgemein (3/3)</a:t>
+              <a:t>Architekturbewertung – Allgemein </a:t>
+            </a:r>
+            <a:r>
+              <a:rPr lang="de-DE" dirty="0" smtClean="0"/>
+              <a:t>(3/3)</a:t>
             </a:r>
             <a:endParaRPr lang="de-DE" dirty="0"/>
           </a:p>
@@ -4055,8 +4148,229 @@
               <a:buChar char="•"/>
             </a:pPr>
             <a:r>
-              <a:rPr lang="de-DE" dirty="0"/>
-              <a:t>Wo hat der Entwurf Vor- und Nachteile gegenüber Ihrem Entwurf aus der letzten Aufgabe</a:t>
+              <a:rPr lang="de-DE" sz="2200" b="1" i="1" dirty="0" smtClean="0"/>
+              <a:t>Erscheint </a:t>
+            </a:r>
+            <a:r>
+              <a:rPr lang="de-DE" sz="2200" b="1" i="1" dirty="0"/>
+              <a:t>Ihnen der Entwurf angemessen komplex? Ist er zu kompliziert oder vereinfacht er zu stark</a:t>
+            </a:r>
+            <a:r>
+              <a:rPr lang="de-DE" sz="2200" b="1" i="1" dirty="0" smtClean="0"/>
+              <a:t>?</a:t>
+            </a:r>
+          </a:p>
+          <a:p>
+            <a:pPr lvl="1">
+              <a:buFont typeface="Arial" panose="020B0604020202020204" pitchFamily="34" charset="0"/>
+              <a:buChar char="•"/>
+            </a:pPr>
+            <a:r>
+              <a:rPr lang="de-DE" sz="2000" dirty="0" smtClean="0"/>
+              <a:t>Die Verfügbarkeit von 99,9 % ist die einzige beschriebene nicht-funktionale Anforderung</a:t>
+            </a:r>
+          </a:p>
+          <a:p>
+            <a:pPr lvl="1">
+              <a:buFont typeface="Arial" panose="020B0604020202020204" pitchFamily="34" charset="0"/>
+              <a:buChar char="•"/>
+            </a:pPr>
+            <a:r>
+              <a:rPr lang="de-DE" sz="2000" dirty="0" smtClean="0"/>
+              <a:t>Die </a:t>
+            </a:r>
+            <a:r>
+              <a:rPr lang="de-DE" sz="2000" dirty="0" err="1" smtClean="0"/>
+              <a:t>External</a:t>
+            </a:r>
+            <a:r>
+              <a:rPr lang="de-DE" sz="2000" dirty="0" smtClean="0"/>
+              <a:t>-API-Komponente ist zu schwach beschrieben</a:t>
+            </a:r>
+          </a:p>
+          <a:p>
+            <a:pPr lvl="2">
+              <a:buFont typeface="Arial" panose="020B0604020202020204" pitchFamily="34" charset="0"/>
+              <a:buChar char="•"/>
+            </a:pPr>
+            <a:r>
+              <a:rPr lang="de-DE" sz="1800" dirty="0" smtClean="0"/>
+              <a:t>Wie soll diese aussehen?</a:t>
+            </a:r>
+          </a:p>
+          <a:p>
+            <a:pPr lvl="2">
+              <a:buFont typeface="Arial" panose="020B0604020202020204" pitchFamily="34" charset="0"/>
+              <a:buChar char="•"/>
+            </a:pPr>
+            <a:r>
+              <a:rPr lang="de-DE" sz="1800" dirty="0" smtClean="0"/>
+              <a:t>Gibt es oder soll es einen gesonderten Client, der von außen darauf zugreifen kann?</a:t>
+            </a:r>
+            <a:endParaRPr lang="de-DE" sz="2000" dirty="0"/>
+          </a:p>
+          <a:p>
+            <a:pPr lvl="2">
+              <a:buFont typeface="Arial" panose="020B0604020202020204" pitchFamily="34" charset="0"/>
+              <a:buChar char="•"/>
+            </a:pPr>
+            <a:endParaRPr lang="de-DE" sz="2000" dirty="0" smtClean="0"/>
+          </a:p>
+          <a:p>
+            <a:pPr lvl="1">
+              <a:buFont typeface="Arial" panose="020B0604020202020204" pitchFamily="34" charset="0"/>
+              <a:buChar char="•"/>
+            </a:pPr>
+            <a:r>
+              <a:rPr lang="de-DE" sz="2200" dirty="0" smtClean="0"/>
+              <a:t>Zusammengefasst:</a:t>
+            </a:r>
+          </a:p>
+          <a:p>
+            <a:pPr lvl="2">
+              <a:buFont typeface="Arial" panose="020B0604020202020204" pitchFamily="34" charset="0"/>
+              <a:buChar char="•"/>
+            </a:pPr>
+            <a:r>
+              <a:rPr lang="de-DE" sz="1800" dirty="0" smtClean="0"/>
+              <a:t>Der Entwurf vereinfacht teilweise zu stark.</a:t>
+            </a:r>
+          </a:p>
+          <a:p>
+            <a:pPr lvl="2">
+              <a:buFont typeface="Arial" panose="020B0604020202020204" pitchFamily="34" charset="0"/>
+              <a:buChar char="•"/>
+            </a:pPr>
+            <a:r>
+              <a:rPr lang="de-DE" sz="1800" dirty="0" smtClean="0"/>
+              <a:t>An anderen Stellen ist er jedoch wieder zu komplex: z. B.: zu viele unterschiedliche Programmiersprachen.</a:t>
+            </a:r>
+          </a:p>
+        </p:txBody>
+      </p:sp>
+    </p:spTree>
+    <p:extLst>
+      <p:ext uri="{BB962C8B-B14F-4D97-AF65-F5344CB8AC3E}">
+        <p14:creationId xmlns:p14="http://schemas.microsoft.com/office/powerpoint/2010/main" val="1745622665"/>
+      </p:ext>
+    </p:extLst>
+  </p:cSld>
+  <p:clrMapOvr>
+    <a:masterClrMapping/>
+  </p:clrMapOvr>
+  <p:timing>
+    <p:tnLst>
+      <p:par>
+        <p:cTn id="1" dur="indefinite" restart="never" nodeType="tmRoot"/>
+      </p:par>
+    </p:tnLst>
+  </p:timing>
+</p:sld>
+</file>
+
+<file path=ppt/slides/slide12.xml><?xml version="1.0" encoding="utf-8"?>
+<p:sld xmlns:a="http://schemas.openxmlformats.org/drawingml/2006/main" xmlns:r="http://schemas.openxmlformats.org/officeDocument/2006/relationships" xmlns:p="http://schemas.openxmlformats.org/presentationml/2006/main">
+  <p:cSld>
+    <p:spTree>
+      <p:nvGrpSpPr>
+        <p:cNvPr id="1" name=""/>
+        <p:cNvGrpSpPr/>
+        <p:nvPr/>
+      </p:nvGrpSpPr>
+      <p:grpSpPr>
+        <a:xfrm>
+          <a:off x="0" y="0"/>
+          <a:ext cx="0" cy="0"/>
+          <a:chOff x="0" y="0"/>
+          <a:chExt cx="0" cy="0"/>
+        </a:xfrm>
+      </p:grpSpPr>
+      <p:sp>
+        <p:nvSpPr>
+          <p:cNvPr id="2" name="Titel 1"/>
+          <p:cNvSpPr>
+            <a:spLocks noGrp="1"/>
+          </p:cNvSpPr>
+          <p:nvPr>
+            <p:ph type="title"/>
+          </p:nvPr>
+        </p:nvSpPr>
+        <p:spPr/>
+        <p:txBody>
+          <a:bodyPr/>
+          <a:lstStyle/>
+          <a:p>
+            <a:r>
+              <a:rPr lang="de-DE" dirty="0" smtClean="0"/>
+              <a:t>Architekturbewertung – Allgemein (3/3)</a:t>
+            </a:r>
+            <a:endParaRPr lang="de-DE" dirty="0"/>
+          </a:p>
+        </p:txBody>
+      </p:sp>
+      <p:sp>
+        <p:nvSpPr>
+          <p:cNvPr id="3" name="Inhaltsplatzhalter 2"/>
+          <p:cNvSpPr>
+            <a:spLocks noGrp="1"/>
+          </p:cNvSpPr>
+          <p:nvPr>
+            <p:ph idx="1"/>
+          </p:nvPr>
+        </p:nvSpPr>
+        <p:spPr/>
+        <p:txBody>
+          <a:bodyPr>
+            <a:normAutofit/>
+          </a:bodyPr>
+          <a:lstStyle/>
+          <a:p>
+            <a:pPr>
+              <a:buFont typeface="Arial" panose="020B0604020202020204" pitchFamily="34" charset="0"/>
+              <a:buChar char="•"/>
+            </a:pPr>
+            <a:r>
+              <a:rPr lang="de-DE" sz="2200" b="1" i="1" dirty="0"/>
+              <a:t>Lässt sich die Software ggf. in mehreren parallelen Teams entwickeln, oder ist die Kopplung </a:t>
+            </a:r>
+            <a:r>
+              <a:rPr lang="de-DE" sz="2200" b="1" i="1" dirty="0" smtClean="0"/>
+              <a:t>der Komponenten </a:t>
+            </a:r>
+            <a:r>
+              <a:rPr lang="de-DE" sz="2200" b="1" i="1" dirty="0"/>
+              <a:t>zu eng? </a:t>
+            </a:r>
+            <a:endParaRPr lang="de-DE" sz="2200" b="1" i="1" dirty="0" smtClean="0"/>
+          </a:p>
+          <a:p>
+            <a:pPr lvl="1">
+              <a:buFont typeface="Arial" panose="020B0604020202020204" pitchFamily="34" charset="0"/>
+              <a:buChar char="•"/>
+            </a:pPr>
+            <a:r>
+              <a:rPr lang="de-DE" sz="2000" dirty="0" smtClean="0"/>
+              <a:t>…</a:t>
+            </a:r>
+          </a:p>
+          <a:p>
+            <a:pPr lvl="1">
+              <a:buFont typeface="Arial" panose="020B0604020202020204" pitchFamily="34" charset="0"/>
+              <a:buChar char="•"/>
+            </a:pPr>
+            <a:r>
+              <a:rPr lang="de-DE" sz="2000" dirty="0" smtClean="0"/>
+              <a:t>…</a:t>
+            </a:r>
+          </a:p>
+          <a:p>
+            <a:pPr lvl="1">
+              <a:buFont typeface="Arial" panose="020B0604020202020204" pitchFamily="34" charset="0"/>
+              <a:buChar char="•"/>
+            </a:pPr>
+            <a:r>
+              <a:rPr lang="de-DE" sz="2000" dirty="0" smtClean="0"/>
+              <a:t>…</a:t>
             </a:r>
           </a:p>
           <a:p>
@@ -4077,6 +4391,224 @@
   <p:clrMapOvr>
     <a:masterClrMapping/>
   </p:clrMapOvr>
+  <p:timing>
+    <p:tnLst>
+      <p:par>
+        <p:cTn id="1" dur="indefinite" restart="never" nodeType="tmRoot"/>
+      </p:par>
+    </p:tnLst>
+  </p:timing>
+</p:sld>
+</file>
+
+<file path=ppt/slides/slide13.xml><?xml version="1.0" encoding="utf-8"?>
+<p:sld xmlns:a="http://schemas.openxmlformats.org/drawingml/2006/main" xmlns:r="http://schemas.openxmlformats.org/officeDocument/2006/relationships" xmlns:p="http://schemas.openxmlformats.org/presentationml/2006/main">
+  <p:cSld>
+    <p:spTree>
+      <p:nvGrpSpPr>
+        <p:cNvPr id="1" name=""/>
+        <p:cNvGrpSpPr/>
+        <p:nvPr/>
+      </p:nvGrpSpPr>
+      <p:grpSpPr>
+        <a:xfrm>
+          <a:off x="0" y="0"/>
+          <a:ext cx="0" cy="0"/>
+          <a:chOff x="0" y="0"/>
+          <a:chExt cx="0" cy="0"/>
+        </a:xfrm>
+      </p:grpSpPr>
+      <p:sp>
+        <p:nvSpPr>
+          <p:cNvPr id="2" name="Titel 1"/>
+          <p:cNvSpPr>
+            <a:spLocks noGrp="1"/>
+          </p:cNvSpPr>
+          <p:nvPr>
+            <p:ph type="title"/>
+          </p:nvPr>
+        </p:nvSpPr>
+        <p:spPr/>
+        <p:txBody>
+          <a:bodyPr/>
+          <a:lstStyle/>
+          <a:p>
+            <a:r>
+              <a:rPr lang="de-DE" dirty="0" smtClean="0"/>
+              <a:t>Architekturbewertung – Allgemein (3/3)</a:t>
+            </a:r>
+            <a:endParaRPr lang="de-DE" dirty="0"/>
+          </a:p>
+        </p:txBody>
+      </p:sp>
+      <p:sp>
+        <p:nvSpPr>
+          <p:cNvPr id="3" name="Inhaltsplatzhalter 2"/>
+          <p:cNvSpPr>
+            <a:spLocks noGrp="1"/>
+          </p:cNvSpPr>
+          <p:nvPr>
+            <p:ph idx="1"/>
+          </p:nvPr>
+        </p:nvSpPr>
+        <p:spPr/>
+        <p:txBody>
+          <a:bodyPr>
+            <a:normAutofit/>
+          </a:bodyPr>
+          <a:lstStyle/>
+          <a:p>
+            <a:pPr>
+              <a:buFont typeface="Arial" panose="020B0604020202020204" pitchFamily="34" charset="0"/>
+              <a:buChar char="•"/>
+            </a:pPr>
+            <a:r>
+              <a:rPr lang="de-DE" sz="2200" b="1" i="1" dirty="0"/>
+              <a:t>Wo hat der Entwurf Vor- und Nachteile gegenüber Ihrem Entwurf aus der letzten </a:t>
+            </a:r>
+            <a:r>
+              <a:rPr lang="de-DE" sz="2200" b="1" i="1" dirty="0" smtClean="0"/>
+              <a:t>Aufgabe ?</a:t>
+            </a:r>
+          </a:p>
+          <a:p>
+            <a:pPr>
+              <a:buFont typeface="Arial" panose="020B0604020202020204" pitchFamily="34" charset="0"/>
+              <a:buChar char="•"/>
+            </a:pPr>
+            <a:r>
+              <a:rPr lang="de-DE" sz="2200" b="1" i="1" dirty="0" smtClean="0"/>
+              <a:t> </a:t>
+            </a:r>
+            <a:r>
+              <a:rPr lang="de-DE" sz="2200" dirty="0" smtClean="0"/>
+              <a:t>Vorteile</a:t>
+            </a:r>
+          </a:p>
+          <a:p>
+            <a:pPr lvl="1">
+              <a:buFont typeface="Arial" panose="020B0604020202020204" pitchFamily="34" charset="0"/>
+              <a:buChar char="•"/>
+            </a:pPr>
+            <a:r>
+              <a:rPr lang="de-DE" sz="2000" dirty="0" smtClean="0"/>
+              <a:t>Planerstellung mittels </a:t>
+            </a:r>
+            <a:r>
+              <a:rPr lang="de-DE" sz="2000" dirty="0" err="1" smtClean="0"/>
+              <a:t>Blackboard</a:t>
+            </a:r>
+            <a:r>
+              <a:rPr lang="de-DE" sz="2000" dirty="0" smtClean="0"/>
+              <a:t>-Agenten</a:t>
+            </a:r>
+          </a:p>
+          <a:p>
+            <a:pPr lvl="1">
+              <a:buFont typeface="Arial" panose="020B0604020202020204" pitchFamily="34" charset="0"/>
+              <a:buChar char="•"/>
+            </a:pPr>
+            <a:r>
+              <a:rPr lang="de-DE" sz="2000" dirty="0" smtClean="0"/>
+              <a:t>Verfügbarkeit von 99,9 % wird gewährleistet</a:t>
+            </a:r>
+          </a:p>
+          <a:p>
+            <a:pPr lvl="1">
+              <a:buFont typeface="Arial" panose="020B0604020202020204" pitchFamily="34" charset="0"/>
+              <a:buChar char="•"/>
+            </a:pPr>
+            <a:r>
+              <a:rPr lang="de-DE" sz="2000" dirty="0" smtClean="0"/>
+              <a:t>Verwendete Programmiersprachen/Frameworks sind bereits bekannt</a:t>
+            </a:r>
+          </a:p>
+          <a:p>
+            <a:pPr lvl="1">
+              <a:buFont typeface="Arial" panose="020B0604020202020204" pitchFamily="34" charset="0"/>
+              <a:buChar char="•"/>
+            </a:pPr>
+            <a:r>
+              <a:rPr lang="de-DE" sz="2000" dirty="0" smtClean="0"/>
+              <a:t>Sicherheitsaspekte wurden berücksichtigt (z. B. SSL-Verbindung</a:t>
+            </a:r>
+            <a:r>
+              <a:rPr lang="de-DE" sz="2000" dirty="0"/>
+              <a:t>, </a:t>
+            </a:r>
+            <a:r>
+              <a:rPr lang="de-DE" sz="2000" dirty="0" smtClean="0"/>
+              <a:t>oAuth2)</a:t>
+            </a:r>
+          </a:p>
+          <a:p>
+            <a:pPr>
+              <a:buFont typeface="Arial" panose="020B0604020202020204" pitchFamily="34" charset="0"/>
+              <a:buChar char="•"/>
+            </a:pPr>
+            <a:r>
+              <a:rPr lang="de-DE" sz="2200" dirty="0" smtClean="0"/>
+              <a:t> Nachteile</a:t>
+            </a:r>
+          </a:p>
+          <a:p>
+            <a:pPr lvl="1">
+              <a:buFont typeface="Arial" panose="020B0604020202020204" pitchFamily="34" charset="0"/>
+              <a:buChar char="•"/>
+            </a:pPr>
+            <a:r>
+              <a:rPr lang="de-DE" dirty="0" smtClean="0"/>
+              <a:t>Login und Authentifizierung werden selbst implementiert</a:t>
+            </a:r>
+          </a:p>
+          <a:p>
+            <a:pPr lvl="1">
+              <a:buFont typeface="Arial" panose="020B0604020202020204" pitchFamily="34" charset="0"/>
+              <a:buChar char="•"/>
+            </a:pPr>
+            <a:r>
+              <a:rPr lang="de-DE" dirty="0" err="1" smtClean="0"/>
+              <a:t>SugarCRM</a:t>
+            </a:r>
+            <a:r>
+              <a:rPr lang="de-DE" dirty="0" smtClean="0"/>
+              <a:t>-Daten werden nicht direkt gelesen sondern über den </a:t>
+            </a:r>
+            <a:r>
+              <a:rPr lang="de-DE" dirty="0" err="1" smtClean="0"/>
+              <a:t>Customerservice</a:t>
+            </a:r>
+            <a:r>
+              <a:rPr lang="de-DE" dirty="0" smtClean="0"/>
+              <a:t> abgebildet.</a:t>
+            </a:r>
+            <a:endParaRPr lang="de-DE" dirty="0"/>
+          </a:p>
+          <a:p>
+            <a:pPr marL="0" indent="0">
+              <a:buNone/>
+            </a:pPr>
+            <a:endParaRPr lang="de-DE" dirty="0"/>
+          </a:p>
+        </p:txBody>
+      </p:sp>
+    </p:spTree>
+    <p:extLst>
+      <p:ext uri="{BB962C8B-B14F-4D97-AF65-F5344CB8AC3E}">
+        <p14:creationId xmlns:p14="http://schemas.microsoft.com/office/powerpoint/2010/main" val="3387569308"/>
+      </p:ext>
+    </p:extLst>
+  </p:cSld>
+  <p:clrMapOvr>
+    <a:masterClrMapping/>
+  </p:clrMapOvr>
+  <p:timing>
+    <p:tnLst>
+      <p:par>
+        <p:cTn id="1" dur="indefinite" restart="never" nodeType="tmRoot"/>
+      </p:par>
+    </p:tnLst>
+  </p:timing>
 </p:sld>
 </file>
 
@@ -4114,11 +4646,7 @@
           <a:p>
             <a:r>
               <a:rPr lang="de-DE" dirty="0" smtClean="0"/>
-              <a:t>Analyseergebnisse – Userservice (</a:t>
-            </a:r>
-            <a:r>
-              <a:rPr lang="de-DE" dirty="0" smtClean="0"/>
-              <a:t>1/6) </a:t>
+              <a:t>Analyseergebnisse – Userservice (1/6) </a:t>
             </a:r>
             <a:endParaRPr lang="de-DE" dirty="0"/>
           </a:p>
@@ -4148,8 +4676,55 @@
               <a:t> </a:t>
             </a:r>
             <a:r>
+              <a:rPr lang="de-DE" sz="2200" b="1" dirty="0" smtClean="0"/>
+              <a:t>Funktionen</a:t>
+            </a:r>
+          </a:p>
+          <a:p>
+            <a:pPr lvl="1">
+              <a:buFont typeface="Arial" panose="020B0604020202020204" pitchFamily="34" charset="0"/>
+              <a:buChar char="•"/>
+            </a:pPr>
+            <a:r>
+              <a:rPr lang="de-DE" sz="2000" dirty="0"/>
+              <a:t>Synchronisation mit der </a:t>
+            </a:r>
+            <a:r>
+              <a:rPr lang="de-DE" sz="2000" dirty="0" err="1"/>
+              <a:t>Personal­DB</a:t>
+            </a:r>
+            <a:r>
+              <a:rPr lang="de-DE" sz="2000" dirty="0"/>
+              <a:t> über </a:t>
+            </a:r>
+            <a:r>
+              <a:rPr lang="de-DE" sz="2000" dirty="0" smtClean="0"/>
+              <a:t>AMQP</a:t>
+            </a:r>
+            <a:endParaRPr lang="de-DE" sz="2000" dirty="0" smtClean="0"/>
+          </a:p>
+          <a:p>
+            <a:pPr lvl="1">
+              <a:buFont typeface="Arial" panose="020B0604020202020204" pitchFamily="34" charset="0"/>
+              <a:buChar char="•"/>
+            </a:pPr>
+            <a:r>
+              <a:rPr lang="de-DE" sz="2000" dirty="0" smtClean="0"/>
+              <a:t>Login und Authentifikation</a:t>
+            </a:r>
+          </a:p>
+          <a:p>
+            <a:pPr>
+              <a:buFont typeface="Arial" panose="020B0604020202020204" pitchFamily="34" charset="0"/>
+              <a:buChar char="•"/>
+            </a:pPr>
+            <a:r>
               <a:rPr lang="de-DE" b="1" dirty="0" smtClean="0"/>
-              <a:t>Funktionen</a:t>
+              <a:t> </a:t>
+            </a:r>
+            <a:r>
+              <a:rPr lang="de-DE" sz="2200" b="1" dirty="0" smtClean="0"/>
+              <a:t>Soll als Node.js App implementiert werden</a:t>
             </a:r>
           </a:p>
           <a:p>
@@ -4158,20 +4733,8 @@
               <a:buChar char="•"/>
             </a:pPr>
             <a:r>
-              <a:rPr lang="de-DE" dirty="0"/>
-              <a:t>Synchronisation mit der </a:t>
-            </a:r>
-            <a:r>
-              <a:rPr lang="de-DE" dirty="0" err="1"/>
-              <a:t>Personal­DB</a:t>
-            </a:r>
-            <a:r>
-              <a:rPr lang="de-DE" dirty="0"/>
-              <a:t> über </a:t>
-            </a:r>
-            <a:r>
-              <a:rPr lang="de-DE" dirty="0" smtClean="0"/>
-              <a:t>AMQP,</a:t>
+              <a:rPr lang="de-DE" sz="2000" dirty="0" smtClean="0"/>
+              <a:t>Eigenentwicklung nicht unbedingt notwendig</a:t>
             </a:r>
           </a:p>
           <a:p>
@@ -4180,18 +4743,8 @@
               <a:buChar char="•"/>
             </a:pPr>
             <a:r>
-              <a:rPr lang="de-DE" dirty="0" smtClean="0"/>
-              <a:t>Login und Authentifikation</a:t>
-            </a:r>
-          </a:p>
-          <a:p>
-            <a:pPr>
-              <a:buFont typeface="Arial" panose="020B0604020202020204" pitchFamily="34" charset="0"/>
-              <a:buChar char="•"/>
-            </a:pPr>
-            <a:r>
-              <a:rPr lang="de-DE" b="1" dirty="0" smtClean="0"/>
-              <a:t> Soll als Node.js App implementiert werden</a:t>
+              <a:rPr lang="de-DE" sz="2000" dirty="0" smtClean="0"/>
+              <a:t>Zum Vergleich: Wir verwenden LDAP zur Authentifizierung und Setzen von Berechtigungen</a:t>
             </a:r>
           </a:p>
           <a:p>
@@ -4200,9 +4753,22 @@
               <a:buChar char="•"/>
             </a:pPr>
             <a:r>
-              <a:rPr lang="de-DE" dirty="0" smtClean="0"/>
-              <a:t>Eigenentwicklung nicht unbedingt notwendig</a:t>
-            </a:r>
+              <a:rPr lang="de-DE" sz="2000" dirty="0" smtClean="0"/>
+              <a:t>Für </a:t>
+            </a:r>
+            <a:r>
+              <a:rPr lang="de-DE" sz="2000" dirty="0" err="1" smtClean="0"/>
+              <a:t>RabbitMQ</a:t>
+            </a:r>
+            <a:r>
+              <a:rPr lang="de-DE" sz="2000" dirty="0" smtClean="0"/>
+              <a:t> gibt es auch ein LDAP-</a:t>
+            </a:r>
+            <a:r>
+              <a:rPr lang="de-DE" sz="2000" dirty="0" err="1" smtClean="0"/>
+              <a:t>Plugin</a:t>
+            </a:r>
+            <a:endParaRPr lang="de-DE" sz="2000" dirty="0" smtClean="0"/>
           </a:p>
           <a:p>
             <a:pPr lvl="1">
@@ -4210,8 +4776,8 @@
               <a:buChar char="•"/>
             </a:pPr>
             <a:r>
-              <a:rPr lang="de-DE" dirty="0" smtClean="0"/>
-              <a:t>Zum Vergleich: Wir verwenden LDAP zur Authentifizierung und Setzen von Berechtigungen</a:t>
+              <a:rPr lang="de-DE" sz="2000" dirty="0" smtClean="0"/>
+              <a:t>Vorteile: bestehende Software wird verwendet, keine Implementation notwendig</a:t>
             </a:r>
           </a:p>
           <a:p>
@@ -4220,71 +4786,31 @@
               <a:buChar char="•"/>
             </a:pPr>
             <a:r>
-              <a:rPr lang="de-DE" dirty="0" smtClean="0"/>
-              <a:t>Für </a:t>
-            </a:r>
-            <a:r>
-              <a:rPr lang="de-DE" dirty="0" err="1" smtClean="0"/>
+              <a:rPr lang="de-DE" sz="2000" dirty="0" smtClean="0"/>
+              <a:t>Nachteil: Eventuell mühsame Konfiguration der LDAP-Komponente in Verbindung mit </a:t>
+            </a:r>
+            <a:r>
+              <a:rPr lang="de-DE" sz="2000" dirty="0" err="1" smtClean="0"/>
               <a:t>RabbitMQ</a:t>
             </a:r>
             <a:r>
-              <a:rPr lang="de-DE" dirty="0" smtClean="0"/>
-              <a:t> gibt es auch ein LDAP-</a:t>
-            </a:r>
-            <a:r>
-              <a:rPr lang="de-DE" dirty="0" err="1" smtClean="0"/>
-              <a:t>Plugin</a:t>
-            </a:r>
-            <a:endParaRPr lang="de-DE" dirty="0" smtClean="0"/>
-          </a:p>
-          <a:p>
-            <a:pPr lvl="1">
-              <a:buFont typeface="Arial" panose="020B0604020202020204" pitchFamily="34" charset="0"/>
-              <a:buChar char="•"/>
-            </a:pPr>
-            <a:r>
-              <a:rPr lang="de-DE" dirty="0" smtClean="0"/>
-              <a:t>Vorteile: bestehende Software wird verwendet, keine Implementation notwendig</a:t>
-            </a:r>
-          </a:p>
-          <a:p>
-            <a:pPr lvl="1">
-              <a:buFont typeface="Arial" panose="020B0604020202020204" pitchFamily="34" charset="0"/>
-              <a:buChar char="•"/>
-            </a:pPr>
-            <a:r>
-              <a:rPr lang="de-DE" dirty="0" smtClean="0"/>
-              <a:t>Nachteil: Eventuell mühsame Konfiguration der LDAP-Komponente in Verbindung mit </a:t>
-            </a:r>
-            <a:r>
-              <a:rPr lang="de-DE" dirty="0" err="1" smtClean="0"/>
-              <a:t>RabbitMQ</a:t>
-            </a:r>
-            <a:r>
-              <a:rPr lang="de-DE" dirty="0" smtClean="0"/>
-              <a:t>,</a:t>
-            </a:r>
-            <a:r>
-              <a:rPr lang="de-DE" dirty="0"/>
-              <a:t/>
-            </a:r>
-            <a:br>
-              <a:rPr lang="de-DE" dirty="0"/>
-            </a:br>
-            <a:r>
-              <a:rPr lang="de-DE" dirty="0" smtClean="0"/>
-              <a:t>	       da mehrere Docker </a:t>
-            </a:r>
-            <a:r>
-              <a:rPr lang="de-DE" dirty="0" err="1"/>
+              <a:rPr lang="de-DE" sz="2000" dirty="0" smtClean="0"/>
+              <a:t>, da </a:t>
+            </a:r>
+            <a:r>
+              <a:rPr lang="de-DE" sz="2000" dirty="0" smtClean="0"/>
+              <a:t>mehrere Docker </a:t>
+            </a:r>
+            <a:r>
+              <a:rPr lang="de-DE" sz="2000" dirty="0" err="1"/>
               <a:t>S</a:t>
             </a:r>
             <a:r>
-              <a:rPr lang="de-DE" dirty="0" err="1" smtClean="0"/>
+              <a:rPr lang="de-DE" sz="2000" dirty="0" err="1" smtClean="0"/>
               <a:t>warms</a:t>
             </a:r>
             <a:r>
-              <a:rPr lang="de-DE" dirty="0" smtClean="0"/>
+              <a:rPr lang="de-DE" sz="2000" dirty="0" smtClean="0"/>
               <a:t> verwendet werden (Synchronisation)</a:t>
             </a:r>
           </a:p>
@@ -4352,11 +4878,7 @@
             </a:r>
             <a:r>
               <a:rPr lang="de-DE" dirty="0" smtClean="0"/>
-              <a:t> (</a:t>
-            </a:r>
-            <a:r>
-              <a:rPr lang="de-DE" dirty="0" smtClean="0"/>
-              <a:t>2/6) </a:t>
+              <a:t> (2/6) </a:t>
             </a:r>
             <a:endParaRPr lang="de-DE" dirty="0"/>
           </a:p>
@@ -4374,7 +4896,9 @@
         </p:nvSpPr>
         <p:spPr/>
         <p:txBody>
-          <a:bodyPr/>
+          <a:bodyPr>
+            <a:normAutofit lnSpcReduction="10000"/>
+          </a:bodyPr>
           <a:lstStyle/>
           <a:p>
             <a:pPr>
@@ -4386,7 +4910,7 @@
               <a:t> </a:t>
             </a:r>
             <a:r>
-              <a:rPr lang="de-DE" b="1" dirty="0" smtClean="0"/>
+              <a:rPr lang="de-DE" sz="2200" b="1" dirty="0" smtClean="0"/>
               <a:t>Funktion</a:t>
             </a:r>
           </a:p>
@@ -4396,19 +4920,19 @@
               <a:buChar char="•"/>
             </a:pPr>
             <a:r>
-              <a:rPr lang="de-DE" dirty="0"/>
+              <a:rPr lang="de-DE" sz="2000" dirty="0"/>
               <a:t>stellt im Wesentlichen ein Abbild der benötigten Daten aus dem </a:t>
             </a:r>
             <a:r>
-              <a:rPr lang="de-DE" dirty="0" err="1"/>
+              <a:rPr lang="de-DE" sz="2000" dirty="0" err="1"/>
               <a:t>SugarCRM</a:t>
             </a:r>
             <a:r>
-              <a:rPr lang="de-DE" dirty="0"/>
+              <a:rPr lang="de-DE" sz="2000" dirty="0"/>
               <a:t> zur </a:t>
             </a:r>
             <a:r>
-              <a:rPr lang="de-DE" dirty="0" smtClean="0"/>
+              <a:rPr lang="de-DE" sz="2000" dirty="0" smtClean="0"/>
               <a:t>Verfügung</a:t>
             </a:r>
           </a:p>
@@ -4418,19 +4942,19 @@
               <a:buChar char="•"/>
             </a:pPr>
             <a:r>
-              <a:rPr lang="de-DE" dirty="0"/>
+              <a:rPr lang="de-DE" sz="2000" dirty="0"/>
               <a:t>Synchronisation mit dem </a:t>
             </a:r>
             <a:r>
-              <a:rPr lang="de-DE" dirty="0" err="1"/>
+              <a:rPr lang="de-DE" sz="2000" dirty="0" err="1"/>
               <a:t>SugarCRM</a:t>
             </a:r>
             <a:r>
-              <a:rPr lang="de-DE" dirty="0"/>
+              <a:rPr lang="de-DE" sz="2000" dirty="0"/>
               <a:t> über </a:t>
             </a:r>
             <a:r>
-              <a:rPr lang="de-DE" dirty="0" smtClean="0"/>
+              <a:rPr lang="de-DE" sz="2000" dirty="0" smtClean="0"/>
               <a:t>AMQP</a:t>
             </a:r>
           </a:p>
@@ -4440,23 +4964,23 @@
               <a:buChar char="•"/>
             </a:pPr>
             <a:r>
-              <a:rPr lang="de-DE" dirty="0" smtClean="0"/>
+              <a:rPr lang="de-DE" sz="2200" dirty="0" smtClean="0"/>
               <a:t> </a:t>
             </a:r>
             <a:r>
-              <a:rPr lang="de-DE" b="1" dirty="0" smtClean="0"/>
+              <a:rPr lang="de-DE" sz="2200" b="1" dirty="0" smtClean="0"/>
               <a:t>Soll als </a:t>
             </a:r>
             <a:r>
-              <a:rPr lang="de-DE" b="1" dirty="0"/>
+              <a:rPr lang="de-DE" sz="2200" b="1" dirty="0"/>
               <a:t>Phoenix App in </a:t>
             </a:r>
             <a:r>
-              <a:rPr lang="de-DE" b="1" dirty="0" err="1" smtClean="0"/>
+              <a:rPr lang="de-DE" sz="2200" b="1" dirty="0" err="1" smtClean="0"/>
               <a:t>Elixir</a:t>
             </a:r>
             <a:r>
-              <a:rPr lang="de-DE" b="1" dirty="0" smtClean="0"/>
+              <a:rPr lang="de-DE" sz="2200" b="1" dirty="0" smtClean="0"/>
               <a:t> implementiert werden</a:t>
             </a:r>
           </a:p>
@@ -4466,7 +4990,7 @@
               <a:buChar char="•"/>
             </a:pPr>
             <a:r>
-              <a:rPr lang="de-DE" dirty="0" smtClean="0"/>
+              <a:rPr lang="de-DE" sz="2000" dirty="0" smtClean="0"/>
               <a:t>Vorteile: Phoenix ist performanter als Node.js</a:t>
             </a:r>
           </a:p>
@@ -4476,21 +5000,21 @@
               <a:buChar char="•"/>
             </a:pPr>
             <a:r>
-              <a:rPr lang="de-DE" dirty="0" smtClean="0"/>
+              <a:rPr lang="de-DE" sz="2000" dirty="0" smtClean="0"/>
               <a:t>Nachteile: System kann schwer wartbar/erweiterbar werden, wenn zu viele unterschiedliche </a:t>
             </a:r>
             <a:r>
-              <a:rPr lang="de-DE" dirty="0"/>
+              <a:rPr lang="de-DE" sz="2000" dirty="0"/>
               <a:t/>
             </a:r>
             <a:br>
-              <a:rPr lang="de-DE" dirty="0"/>
+              <a:rPr lang="de-DE" sz="2000" dirty="0"/>
             </a:br>
             <a:r>
-              <a:rPr lang="de-DE" dirty="0" smtClean="0"/>
+              <a:rPr lang="de-DE" sz="2000" dirty="0" smtClean="0"/>
               <a:t>	         Sprachen/Frameworks verwendet werden.</a:t>
             </a:r>
-            <a:endParaRPr lang="de-DE" dirty="0"/>
+            <a:endParaRPr lang="de-DE" sz="2000" dirty="0"/>
           </a:p>
           <a:p>
             <a:pPr>
@@ -4498,8 +5022,12 @@
               <a:buChar char="•"/>
             </a:pPr>
             <a:r>
-              <a:rPr lang="de-DE" b="1" dirty="0" smtClean="0"/>
-              <a:t>Nutzen?</a:t>
+              <a:rPr lang="de-DE" sz="2200" b="1" dirty="0" smtClean="0"/>
+              <a:t> Nutzen</a:t>
+            </a:r>
+            <a:r>
+              <a:rPr lang="de-DE" sz="2200" b="1" dirty="0" smtClean="0"/>
+              <a:t>?</a:t>
             </a:r>
           </a:p>
           <a:p>
@@ -4508,11 +5036,11 @@
               <a:buChar char="•"/>
             </a:pPr>
             <a:r>
-              <a:rPr lang="de-DE" dirty="0" err="1" smtClean="0"/>
+              <a:rPr lang="de-DE" sz="2000" dirty="0" err="1" smtClean="0"/>
               <a:t>SugarCRM</a:t>
             </a:r>
             <a:r>
-              <a:rPr lang="de-DE" dirty="0" smtClean="0"/>
+              <a:rPr lang="de-DE" sz="2000" dirty="0" smtClean="0"/>
               <a:t> hat eine REST-API -&gt; Abbild scheint von geringem Nutzen zu sein</a:t>
             </a:r>
           </a:p>
@@ -4522,15 +5050,15 @@
               <a:buChar char="•"/>
             </a:pPr>
             <a:r>
-              <a:rPr lang="de-DE" dirty="0" smtClean="0"/>
+              <a:rPr lang="de-DE" sz="2000" dirty="0" smtClean="0"/>
               <a:t>Man kann stattdessen direkt die API von </a:t>
             </a:r>
             <a:r>
-              <a:rPr lang="de-DE" dirty="0" err="1" smtClean="0"/>
+              <a:rPr lang="de-DE" sz="2000" dirty="0" err="1" smtClean="0"/>
               <a:t>SugarCRM</a:t>
             </a:r>
             <a:r>
-              <a:rPr lang="de-DE" dirty="0" smtClean="0"/>
+              <a:rPr lang="de-DE" sz="2000" dirty="0" smtClean="0"/>
               <a:t> ansprechen</a:t>
             </a:r>
           </a:p>
@@ -4540,15 +5068,15 @@
               <a:buChar char="•"/>
             </a:pPr>
             <a:r>
-              <a:rPr lang="de-DE" dirty="0" smtClean="0"/>
+              <a:rPr lang="de-DE" sz="2000" dirty="0" smtClean="0"/>
               <a:t>Nutzen max. für höhere Ausfalltoleranz -&gt; </a:t>
             </a:r>
             <a:r>
-              <a:rPr lang="de-DE" dirty="0" err="1" smtClean="0"/>
+              <a:rPr lang="de-DE" sz="2000" dirty="0" err="1" smtClean="0"/>
               <a:t>SugarCRM</a:t>
             </a:r>
             <a:r>
-              <a:rPr lang="de-DE" dirty="0" smtClean="0"/>
+              <a:rPr lang="de-DE" sz="2000" dirty="0" smtClean="0"/>
               <a:t> nicht erreichbar</a:t>
             </a:r>
           </a:p>
@@ -4619,11 +5147,7 @@
             </a:r>
             <a:r>
               <a:rPr lang="de-DE" dirty="0" smtClean="0"/>
-              <a:t>– </a:t>
-            </a:r>
-            <a:r>
-              <a:rPr lang="de-DE" dirty="0" smtClean="0"/>
-              <a:t>Plan-UI(3/6) </a:t>
+              <a:t>– Plan-UI(3/6) </a:t>
             </a:r>
             <a:endParaRPr lang="de-DE" dirty="0"/>
           </a:p>
@@ -4653,7 +5177,7 @@
               <a:t> </a:t>
             </a:r>
             <a:r>
-              <a:rPr lang="de-DE" b="1" dirty="0" smtClean="0"/>
+              <a:rPr lang="de-DE" sz="2200" b="1" dirty="0" smtClean="0"/>
               <a:t>Funktion</a:t>
             </a:r>
           </a:p>
@@ -4663,11 +5187,11 @@
               <a:buChar char="•"/>
             </a:pPr>
             <a:r>
-              <a:rPr lang="de-DE" dirty="0"/>
+              <a:rPr lang="de-DE" sz="2000" dirty="0"/>
               <a:t>Web-App zum Erstellen (Plan-Service) und Lesen der Pläne (Plan-DB</a:t>
             </a:r>
             <a:r>
-              <a:rPr lang="de-DE" dirty="0" smtClean="0"/>
+              <a:rPr lang="de-DE" sz="2000" dirty="0" smtClean="0"/>
               <a:t>)</a:t>
             </a:r>
           </a:p>
@@ -4681,28 +5205,24 @@
               <a:t> </a:t>
             </a:r>
             <a:r>
-              <a:rPr lang="de-DE" b="1" dirty="0" smtClean="0"/>
+              <a:rPr lang="de-DE" sz="2200" b="1" dirty="0" smtClean="0"/>
               <a:t>Solls als </a:t>
             </a:r>
             <a:r>
-              <a:rPr lang="de-DE" b="1" dirty="0" err="1" smtClean="0"/>
+              <a:rPr lang="de-DE" sz="2200" b="1" dirty="0" err="1" smtClean="0"/>
               <a:t>RoR</a:t>
             </a:r>
             <a:r>
-              <a:rPr lang="de-DE" b="1" dirty="0" smtClean="0"/>
+              <a:rPr lang="de-DE" sz="2200" b="1" dirty="0" smtClean="0"/>
               <a:t>-App implementiert. Twitter Bootstrap und </a:t>
             </a:r>
             <a:r>
-              <a:rPr lang="de-DE" b="1" dirty="0" err="1" smtClean="0"/>
+              <a:rPr lang="de-DE" sz="2200" b="1" dirty="0" err="1" smtClean="0"/>
               <a:t>jQuery</a:t>
             </a:r>
             <a:r>
-              <a:rPr lang="de-DE" b="1" dirty="0" smtClean="0"/>
-              <a:t> für das </a:t>
-            </a:r>
-            <a:r>
-              <a:rPr lang="de-DE" b="1" dirty="0" smtClean="0"/>
-              <a:t>Frontend</a:t>
+              <a:rPr lang="de-DE" sz="2200" b="1" dirty="0" smtClean="0"/>
+              <a:t> für das Frontend</a:t>
             </a:r>
           </a:p>
           <a:p>
@@ -4711,15 +5231,15 @@
               <a:buChar char="•"/>
             </a:pPr>
             <a:r>
-              <a:rPr lang="de-DE" dirty="0"/>
+              <a:rPr lang="de-DE" sz="2000" dirty="0"/>
               <a:t>Plan-UI als </a:t>
             </a:r>
             <a:r>
-              <a:rPr lang="de-DE" dirty="0" err="1"/>
+              <a:rPr lang="de-DE" sz="2000" dirty="0" err="1"/>
               <a:t>Webapp</a:t>
             </a:r>
             <a:r>
-              <a:rPr lang="de-DE" dirty="0"/>
+              <a:rPr lang="de-DE" sz="2000" dirty="0"/>
               <a:t> zu implementieren ist fraglich, da sie eh nur aus dem Intranet erreichbar ist</a:t>
             </a:r>
           </a:p>
@@ -4729,23 +5249,23 @@
               <a:buChar char="•"/>
             </a:pPr>
             <a:r>
-              <a:rPr lang="de-DE" dirty="0"/>
+              <a:rPr lang="de-DE" sz="2000" dirty="0"/>
               <a:t>Eigenständig lauffähige Softwarekomponente mit grafischer Benutzungsoberfläche (z. B. Mit </a:t>
             </a:r>
             <a:r>
-              <a:rPr lang="de-DE" dirty="0" err="1"/>
+              <a:rPr lang="de-DE" sz="2000" dirty="0" err="1"/>
               <a:t>Qt</a:t>
             </a:r>
             <a:r>
-              <a:rPr lang="de-DE" dirty="0"/>
+              <a:rPr lang="de-DE" sz="2000" dirty="0"/>
               <a:t>) eignet sich </a:t>
             </a:r>
             <a:r>
-              <a:rPr lang="de-DE" dirty="0" err="1"/>
+              <a:rPr lang="de-DE" sz="2000" dirty="0" err="1"/>
               <a:t>evtl</a:t>
             </a:r>
             <a:r>
-              <a:rPr lang="de-DE" dirty="0"/>
+              <a:rPr lang="de-DE" sz="2000" dirty="0"/>
               <a:t> besser.</a:t>
             </a:r>
           </a:p>
@@ -4755,10 +5275,10 @@
               <a:buChar char="•"/>
             </a:pPr>
             <a:r>
-              <a:rPr lang="de-DE" dirty="0"/>
+              <a:rPr lang="de-DE" sz="2000" dirty="0"/>
               <a:t>Von Außen: Prüfung ob Client auf dem die Plan-UI gestartet wird sich im Intranet befindet.</a:t>
             </a:r>
-            <a:endParaRPr lang="de-DE" dirty="0" smtClean="0"/>
+            <a:endParaRPr lang="de-DE" sz="2000" dirty="0" smtClean="0"/>
           </a:p>
         </p:txBody>
       </p:sp>
@@ -4772,6 +5292,13 @@
   <p:clrMapOvr>
     <a:masterClrMapping/>
   </p:clrMapOvr>
+  <p:timing>
+    <p:tnLst>
+      <p:par>
+        <p:cTn id="1" dur="indefinite" restart="never" nodeType="tmRoot"/>
+      </p:par>
+    </p:tnLst>
+  </p:timing>
 </p:sld>
 </file>
 
@@ -4831,8 +5358,47 @@
         </p:nvSpPr>
         <p:spPr/>
         <p:txBody>
-          <a:bodyPr/>
-          <a:lstStyle/>
+          <a:bodyPr>
+            <a:normAutofit fontScale="92500" lnSpcReduction="20000"/>
+          </a:bodyPr>
+          <a:lstStyle/>
+          <a:p>
+            <a:pPr>
+              <a:buFont typeface="Arial" panose="020B0604020202020204" pitchFamily="34" charset="0"/>
+              <a:buChar char="•"/>
+            </a:pPr>
+            <a:r>
+              <a:rPr lang="de-DE" sz="2400" dirty="0"/>
+              <a:t> </a:t>
+            </a:r>
+            <a:r>
+              <a:rPr lang="de-DE" sz="2400" b="1" dirty="0" smtClean="0"/>
+              <a:t>Funktion</a:t>
+            </a:r>
+            <a:endParaRPr lang="de-DE" sz="2400" b="1" dirty="0" smtClean="0"/>
+          </a:p>
+          <a:p>
+            <a:pPr lvl="1">
+              <a:buFont typeface="Arial" panose="020B0604020202020204" pitchFamily="34" charset="0"/>
+              <a:buChar char="•"/>
+            </a:pPr>
+            <a:r>
+              <a:rPr lang="de-DE" sz="2200" dirty="0"/>
+              <a:t>Teilautomatisierte Erstellung der Pläne mittels </a:t>
+            </a:r>
+            <a:r>
+              <a:rPr lang="de-DE" sz="2200" dirty="0" err="1"/>
+              <a:t>Blackboard</a:t>
+            </a:r>
+            <a:r>
+              <a:rPr lang="de-DE" sz="2200" dirty="0"/>
+              <a:t> </a:t>
+            </a:r>
+            <a:r>
+              <a:rPr lang="de-DE" sz="2200" dirty="0" smtClean="0"/>
+              <a:t>Agenten</a:t>
+            </a:r>
+          </a:p>
           <a:p>
             <a:pPr>
               <a:buFont typeface="Arial" panose="020B0604020202020204" pitchFamily="34" charset="0"/>
@@ -4843,8 +5409,28 @@
               <a:t> </a:t>
             </a:r>
             <a:r>
-              <a:rPr lang="de-DE" b="1" dirty="0" smtClean="0"/>
-              <a:t>Funktion</a:t>
+              <a:rPr lang="de-DE" sz="2400" b="1" dirty="0"/>
+              <a:t>Der Planungs-Service wird als </a:t>
+            </a:r>
+            <a:r>
+              <a:rPr lang="de-DE" sz="2400" b="1" dirty="0" err="1"/>
+              <a:t>NodeJS</a:t>
+            </a:r>
+            <a:r>
+              <a:rPr lang="de-DE" sz="2400" b="1" dirty="0"/>
+              <a:t> App in </a:t>
+            </a:r>
+            <a:r>
+              <a:rPr lang="de-DE" sz="2400" b="1" dirty="0" err="1"/>
+              <a:t>Javascript</a:t>
+            </a:r>
+            <a:r>
+              <a:rPr lang="de-DE" sz="2400" b="1" dirty="0"/>
+              <a:t> </a:t>
+            </a:r>
+            <a:r>
+              <a:rPr lang="de-DE" sz="2400" b="1" dirty="0" smtClean="0"/>
+              <a:t>implementiert</a:t>
             </a:r>
           </a:p>
           <a:p>
@@ -4853,54 +5439,16 @@
               <a:buChar char="•"/>
             </a:pPr>
             <a:r>
-              <a:rPr lang="de-DE" dirty="0"/>
-              <a:t>Teilautomatisierte Erstellung der Pläne mittels </a:t>
-            </a:r>
-            <a:r>
-              <a:rPr lang="de-DE" dirty="0" err="1"/>
-              <a:t>Blackboard</a:t>
-            </a:r>
-            <a:r>
-              <a:rPr lang="de-DE" dirty="0"/>
-              <a:t> </a:t>
-            </a:r>
-            <a:r>
-              <a:rPr lang="de-DE" dirty="0" smtClean="0"/>
-              <a:t>Agenten</a:t>
-            </a:r>
-          </a:p>
-          <a:p>
-            <a:pPr>
-              <a:buFont typeface="Arial" panose="020B0604020202020204" pitchFamily="34" charset="0"/>
-              <a:buChar char="•"/>
-            </a:pPr>
-            <a:r>
-              <a:rPr lang="de-DE" dirty="0"/>
-              <a:t> </a:t>
-            </a:r>
-            <a:r>
-              <a:rPr lang="de-DE" b="1" dirty="0"/>
-              <a:t>Der Planungs-Service wird als </a:t>
-            </a:r>
-            <a:r>
-              <a:rPr lang="de-DE" b="1" dirty="0" err="1"/>
-              <a:t>NodeJS</a:t>
-            </a:r>
-            <a:r>
-              <a:rPr lang="de-DE" b="1" dirty="0"/>
-              <a:t> App in </a:t>
-            </a:r>
-            <a:r>
-              <a:rPr lang="de-DE" b="1" dirty="0" err="1"/>
-              <a:t>Javascript</a:t>
-            </a:r>
-            <a:r>
-              <a:rPr lang="de-DE" b="1" dirty="0"/>
-              <a:t> </a:t>
-            </a:r>
-            <a:r>
-              <a:rPr lang="de-DE" b="1" dirty="0" smtClean="0"/>
-              <a:t>implementiert</a:t>
+              <a:rPr lang="de-DE" sz="2200" dirty="0" smtClean="0"/>
+              <a:t>Das gewählte Framework </a:t>
+            </a:r>
+            <a:r>
+              <a:rPr lang="de-DE" sz="2200" dirty="0"/>
+              <a:t>scheint sinnvoll, da sich z. B. Über „express“ leicht REST-APIs erstellen </a:t>
+            </a:r>
+            <a:r>
+              <a:rPr lang="de-DE" sz="2200" dirty="0" smtClean="0"/>
+              <a:t>lassen</a:t>
             </a:r>
           </a:p>
           <a:p>
@@ -4909,16 +5457,8 @@
               <a:buChar char="•"/>
             </a:pPr>
             <a:r>
-              <a:rPr lang="de-DE" dirty="0" smtClean="0"/>
-              <a:t>Das gewählte Framework </a:t>
-            </a:r>
-            <a:r>
-              <a:rPr lang="de-DE" dirty="0"/>
-              <a:t>scheint sinnvoll, da sich z. B. Über „express“ leicht REST-APIs erstellen </a:t>
-            </a:r>
-            <a:r>
-              <a:rPr lang="de-DE" dirty="0" smtClean="0"/>
-              <a:t>lassen</a:t>
+              <a:rPr lang="de-DE" sz="2200" dirty="0"/>
+              <a:t>Node.js ist weit verbreitet und leicht zu erlernen</a:t>
             </a:r>
           </a:p>
           <a:p>
@@ -4927,28 +5467,18 @@
               <a:buChar char="•"/>
             </a:pPr>
             <a:r>
-              <a:rPr lang="de-DE" dirty="0"/>
-              <a:t>Node.js ist weit verbreitet und leicht zu erlernen</a:t>
-            </a:r>
-          </a:p>
-          <a:p>
-            <a:pPr lvl="1">
-              <a:buFont typeface="Arial" panose="020B0604020202020204" pitchFamily="34" charset="0"/>
-              <a:buChar char="•"/>
-            </a:pPr>
-            <a:r>
-              <a:rPr lang="de-DE" dirty="0"/>
+              <a:rPr lang="de-DE" sz="2200" dirty="0"/>
               <a:t>Bei Entwicklerwechsel keine Experten für bestimmte Sprachen wie Erlang/</a:t>
             </a:r>
             <a:r>
-              <a:rPr lang="de-DE" dirty="0" err="1"/>
+              <a:rPr lang="de-DE" sz="2200" dirty="0" err="1"/>
               <a:t>Elixir</a:t>
             </a:r>
             <a:r>
-              <a:rPr lang="de-DE" dirty="0"/>
+              <a:rPr lang="de-DE" sz="2200" dirty="0"/>
               <a:t> nötig.</a:t>
             </a:r>
-            <a:endParaRPr lang="de-DE" dirty="0" smtClean="0"/>
+            <a:endParaRPr lang="de-DE" sz="2200" dirty="0" smtClean="0"/>
           </a:p>
           <a:p>
             <a:pPr>
@@ -4960,11 +5490,11 @@
               <a:t> </a:t>
             </a:r>
             <a:r>
-              <a:rPr lang="de-DE" b="1" dirty="0" err="1" smtClean="0"/>
+              <a:rPr lang="de-DE" sz="2400" b="1" dirty="0" err="1" smtClean="0"/>
               <a:t>Blackboard</a:t>
             </a:r>
             <a:r>
-              <a:rPr lang="de-DE" b="1" dirty="0" smtClean="0"/>
+              <a:rPr lang="de-DE" sz="2400" b="1" dirty="0" smtClean="0"/>
               <a:t> – Agenten</a:t>
             </a:r>
           </a:p>
@@ -4974,7 +5504,7 @@
               <a:buChar char="•"/>
             </a:pPr>
             <a:r>
-              <a:rPr lang="de-DE" dirty="0"/>
+              <a:rPr lang="de-DE" sz="2200" dirty="0"/>
               <a:t>Backboard-Agenten zum Erkennen und lernen von Mustern aus den Eingaben der Planer erscheint sinnvoll</a:t>
             </a:r>
           </a:p>
@@ -4984,7 +5514,7 @@
               <a:buChar char="•"/>
             </a:pPr>
             <a:r>
-              <a:rPr lang="de-DE" dirty="0"/>
+              <a:rPr lang="de-DE" sz="2200" dirty="0"/>
               <a:t>Plan-Service lernt damit, passendere Vorschläge zu wiederkehrenden Eingabemustern zu machen</a:t>
             </a:r>
           </a:p>
@@ -4994,10 +5524,10 @@
               <a:buChar char="•"/>
             </a:pPr>
             <a:r>
-              <a:rPr lang="de-DE" dirty="0"/>
+              <a:rPr lang="de-DE" sz="2200" dirty="0"/>
               <a:t>Weniger Nachbearbeitung notwendig</a:t>
             </a:r>
-            <a:endParaRPr lang="de-DE" dirty="0" smtClean="0"/>
+            <a:endParaRPr lang="de-DE" sz="2200" dirty="0" smtClean="0"/>
           </a:p>
           <a:p>
             <a:pPr lvl="1">
@@ -5032,6 +5562,13 @@
   <p:clrMapOvr>
     <a:masterClrMapping/>
   </p:clrMapOvr>
+  <p:timing>
+    <p:tnLst>
+      <p:par>
+        <p:cTn id="1" dur="indefinite" restart="never" nodeType="tmRoot"/>
+      </p:par>
+    </p:tnLst>
+  </p:timing>
 </p:sld>
 </file>
 
@@ -5073,7 +5610,7 @@
             </a:r>
             <a:r>
               <a:rPr lang="de-DE" dirty="0" smtClean="0"/>
-              <a:t>Plan-DB (5/6) </a:t>
+              <a:t>Plan-DB(4/6) </a:t>
             </a:r>
             <a:endParaRPr lang="de-DE" dirty="0"/>
           </a:p>
@@ -5092,7 +5629,7 @@
         <p:spPr/>
         <p:txBody>
           <a:bodyPr>
-            <a:normAutofit/>
+            <a:normAutofit lnSpcReduction="10000"/>
           </a:bodyPr>
           <a:lstStyle/>
           <a:p>
@@ -5101,11 +5638,11 @@
               <a:buChar char="•"/>
             </a:pPr>
             <a:r>
-              <a:rPr lang="de-DE" dirty="0"/>
+              <a:rPr lang="de-DE" sz="2200" dirty="0"/>
               <a:t> </a:t>
             </a:r>
             <a:r>
-              <a:rPr lang="de-DE" b="1" dirty="0"/>
+              <a:rPr lang="de-DE" sz="2200" b="1" dirty="0"/>
               <a:t>Funktion</a:t>
             </a:r>
           </a:p>
@@ -5115,11 +5652,11 @@
               <a:buChar char="•"/>
             </a:pPr>
             <a:r>
-              <a:rPr lang="de-DE" dirty="0"/>
+              <a:rPr lang="de-DE" sz="2000" dirty="0"/>
               <a:t>Speicherung der erstellten </a:t>
             </a:r>
             <a:r>
-              <a:rPr lang="de-DE" dirty="0" smtClean="0"/>
+              <a:rPr lang="de-DE" sz="2000" dirty="0" smtClean="0"/>
               <a:t>Pläne</a:t>
             </a:r>
           </a:p>
@@ -5133,20 +5670,136 @@
               <a:t> </a:t>
             </a:r>
             <a:r>
-              <a:rPr lang="de-DE" b="1" dirty="0"/>
-              <a:t>Soll als </a:t>
-            </a:r>
-            <a:r>
-              <a:rPr lang="de-DE" b="1" dirty="0" err="1"/>
-              <a:t>RubyOnRails</a:t>
-            </a:r>
-            <a:r>
-              <a:rPr lang="de-DE" b="1" dirty="0"/>
-              <a:t>-App implementiert </a:t>
-            </a:r>
-            <a:r>
-              <a:rPr lang="de-DE" b="1" dirty="0" smtClean="0"/>
-              <a:t>werden</a:t>
+              <a:rPr lang="de-DE" sz="2200" b="1" dirty="0"/>
+              <a:t>Soll </a:t>
+            </a:r>
+            <a:r>
+              <a:rPr lang="de-DE" sz="2200" b="1" dirty="0" err="1" smtClean="0"/>
+              <a:t>PostgreSQL</a:t>
+            </a:r>
+            <a:r>
+              <a:rPr lang="de-DE" sz="2200" b="1" dirty="0" smtClean="0"/>
+              <a:t> Datenbank umgesetzt werden (mit </a:t>
+            </a:r>
+            <a:r>
+              <a:rPr lang="de-DE" sz="2200" b="1" dirty="0" err="1" smtClean="0"/>
+              <a:t>RoR</a:t>
+            </a:r>
+            <a:r>
+              <a:rPr lang="de-DE" sz="2200" b="1" dirty="0" smtClean="0"/>
+              <a:t>-Wrapper)</a:t>
+            </a:r>
+          </a:p>
+          <a:p>
+            <a:pPr lvl="1">
+              <a:buFont typeface="Arial" panose="020B0604020202020204" pitchFamily="34" charset="0"/>
+              <a:buChar char="•"/>
+            </a:pPr>
+            <a:r>
+              <a:rPr lang="de-DE" sz="2000" dirty="0" smtClean="0"/>
+              <a:t>Vorteile:</a:t>
+            </a:r>
+          </a:p>
+          <a:p>
+            <a:pPr lvl="2">
+              <a:buFont typeface="Arial" panose="020B0604020202020204" pitchFamily="34" charset="0"/>
+              <a:buChar char="•"/>
+            </a:pPr>
+            <a:r>
+              <a:rPr lang="de-DE" sz="1800" dirty="0" smtClean="0"/>
+              <a:t>Mit wenig Aufwand lassen sich SQL-Statements umsetzen</a:t>
+            </a:r>
+          </a:p>
+          <a:p>
+            <a:pPr lvl="2">
+              <a:buFont typeface="Arial" panose="020B0604020202020204" pitchFamily="34" charset="0"/>
+              <a:buChar char="•"/>
+            </a:pPr>
+            <a:r>
+              <a:rPr lang="de-DE" sz="1800" dirty="0" smtClean="0"/>
+              <a:t>Es gibt viele </a:t>
+            </a:r>
+            <a:r>
+              <a:rPr lang="de-DE" sz="1800" dirty="0" err="1" smtClean="0"/>
+              <a:t>gems</a:t>
+            </a:r>
+            <a:r>
+              <a:rPr lang="de-DE" sz="1800" dirty="0" smtClean="0"/>
+              <a:t> die den Zugriff auf Datenbanken sehr einfach machen.</a:t>
+            </a:r>
+          </a:p>
+          <a:p>
+            <a:pPr lvl="2">
+              <a:buFont typeface="Arial" panose="020B0604020202020204" pitchFamily="34" charset="0"/>
+              <a:buChar char="•"/>
+            </a:pPr>
+            <a:r>
+              <a:rPr lang="de-DE" sz="1800" dirty="0" smtClean="0"/>
+              <a:t>Ein Wrapper erzeugt eine gute Kapselung</a:t>
+            </a:r>
+          </a:p>
+          <a:p>
+            <a:pPr lvl="1">
+              <a:buFont typeface="Arial" panose="020B0604020202020204" pitchFamily="34" charset="0"/>
+              <a:buChar char="•"/>
+            </a:pPr>
+            <a:r>
+              <a:rPr lang="de-DE" sz="2000" dirty="0" smtClean="0"/>
+              <a:t>Nachteil:</a:t>
+            </a:r>
+          </a:p>
+          <a:p>
+            <a:pPr lvl="2">
+              <a:buFont typeface="Arial" panose="020B0604020202020204" pitchFamily="34" charset="0"/>
+              <a:buChar char="•"/>
+            </a:pPr>
+            <a:r>
+              <a:rPr lang="de-DE" sz="2000" dirty="0" smtClean="0"/>
+              <a:t>Zusatzaufwand</a:t>
+            </a:r>
+          </a:p>
+          <a:p>
+            <a:pPr lvl="2">
+              <a:buFont typeface="Arial" panose="020B0604020202020204" pitchFamily="34" charset="0"/>
+              <a:buChar char="•"/>
+            </a:pPr>
+            <a:r>
+              <a:rPr lang="de-DE" sz="2000" dirty="0" smtClean="0"/>
+              <a:t>Mehr </a:t>
+            </a:r>
+            <a:r>
+              <a:rPr lang="de-DE" sz="2000" dirty="0" err="1" smtClean="0"/>
+              <a:t>Hardwareresourcen</a:t>
+            </a:r>
+            <a:endParaRPr lang="de-DE" sz="2000" dirty="0" smtClean="0"/>
+          </a:p>
+          <a:p>
+            <a:pPr lvl="2">
+              <a:buFont typeface="Arial" panose="020B0604020202020204" pitchFamily="34" charset="0"/>
+              <a:buChar char="•"/>
+            </a:pPr>
+            <a:r>
+              <a:rPr lang="de-DE" sz="2000" dirty="0" err="1" smtClean="0"/>
+              <a:t>Delayzeiten</a:t>
+            </a:r>
+            <a:endParaRPr lang="de-DE" sz="2000" dirty="0"/>
+          </a:p>
+          <a:p>
+            <a:pPr lvl="1">
+              <a:buFont typeface="Arial" panose="020B0604020202020204" pitchFamily="34" charset="0"/>
+              <a:buChar char="•"/>
+            </a:pPr>
+            <a:r>
+              <a:rPr lang="de-DE" sz="2000" dirty="0" smtClean="0"/>
+              <a:t>Aber prinzipiell </a:t>
+            </a:r>
+            <a:r>
+              <a:rPr lang="de-DE" sz="2000" dirty="0" smtClean="0"/>
+              <a:t>ist das eine </a:t>
+            </a:r>
+            <a:r>
+              <a:rPr lang="de-DE" sz="2000" dirty="0" smtClean="0"/>
+              <a:t>gute Entscheidung</a:t>
             </a:r>
           </a:p>
         </p:txBody>
@@ -5161,6 +5814,13 @@
   <p:clrMapOvr>
     <a:masterClrMapping/>
   </p:clrMapOvr>
+  <p:timing>
+    <p:tnLst>
+      <p:par>
+        <p:cTn id="1" dur="indefinite" restart="never" nodeType="tmRoot"/>
+      </p:par>
+    </p:tnLst>
+  </p:timing>
 </p:sld>
 </file>
 
@@ -5231,7 +5891,70 @@
           <a:bodyPr/>
           <a:lstStyle/>
           <a:p>
-            <a:endParaRPr lang="de-DE" dirty="0"/>
+            <a:pPr>
+              <a:buFont typeface="Arial" panose="020B0604020202020204" pitchFamily="34" charset="0"/>
+              <a:buChar char="•"/>
+            </a:pPr>
+            <a:r>
+              <a:rPr lang="de-DE" dirty="0"/>
+              <a:t> </a:t>
+            </a:r>
+            <a:r>
+              <a:rPr lang="de-DE" sz="2200" b="1" dirty="0" smtClean="0"/>
+              <a:t>Funktion</a:t>
+            </a:r>
+            <a:endParaRPr lang="de-DE" sz="2200" b="1" dirty="0" smtClean="0"/>
+          </a:p>
+          <a:p>
+            <a:pPr lvl="1">
+              <a:buFont typeface="Arial" panose="020B0604020202020204" pitchFamily="34" charset="0"/>
+              <a:buChar char="•"/>
+            </a:pPr>
+            <a:r>
+              <a:rPr lang="de-DE" sz="2000" dirty="0"/>
+              <a:t>Senden von Emails an Servicekräfte</a:t>
+            </a:r>
+            <a:endParaRPr lang="de-DE" sz="2000" dirty="0" smtClean="0"/>
+          </a:p>
+          <a:p>
+            <a:pPr>
+              <a:buFont typeface="Arial" panose="020B0604020202020204" pitchFamily="34" charset="0"/>
+              <a:buChar char="•"/>
+            </a:pPr>
+            <a:r>
+              <a:rPr lang="de-DE" sz="2200" b="1" dirty="0" smtClean="0"/>
+              <a:t> Soll </a:t>
+            </a:r>
+            <a:r>
+              <a:rPr lang="de-DE" sz="2200" b="1" dirty="0" smtClean="0"/>
+              <a:t>als Node.js App implementiert werden</a:t>
+            </a:r>
+          </a:p>
+          <a:p>
+            <a:pPr lvl="1">
+              <a:buFont typeface="Arial" panose="020B0604020202020204" pitchFamily="34" charset="0"/>
+              <a:buChar char="•"/>
+            </a:pPr>
+            <a:r>
+              <a:rPr lang="de-DE" sz="2000" dirty="0" smtClean="0"/>
+              <a:t>Vorteil: </a:t>
+            </a:r>
+            <a:r>
+              <a:rPr lang="de-DE" sz="2000" dirty="0" err="1" smtClean="0"/>
+              <a:t>Nodemailer</a:t>
+            </a:r>
+            <a:endParaRPr lang="de-DE" sz="2000" dirty="0" smtClean="0"/>
+          </a:p>
+          <a:p>
+            <a:pPr lvl="1">
+              <a:buFont typeface="Arial" panose="020B0604020202020204" pitchFamily="34" charset="0"/>
+              <a:buChar char="•"/>
+            </a:pPr>
+            <a:r>
+              <a:rPr lang="de-DE" sz="2000" dirty="0" smtClean="0"/>
+              <a:t>Nachteil: -</a:t>
+            </a:r>
+            <a:endParaRPr lang="de-DE" sz="2000" dirty="0" smtClean="0"/>
           </a:p>
         </p:txBody>
       </p:sp>
@@ -5245,6 +5968,13 @@
   <p:clrMapOvr>
     <a:masterClrMapping/>
   </p:clrMapOvr>
+  <p:timing>
+    <p:tnLst>
+      <p:par>
+        <p:cTn id="1" dur="indefinite" restart="never" nodeType="tmRoot"/>
+      </p:par>
+    </p:tnLst>
+  </p:timing>
 </p:sld>
 </file>
 
@@ -5329,6 +6059,13 @@
   <p:clrMapOvr>
     <a:masterClrMapping/>
   </p:clrMapOvr>
+  <p:timing>
+    <p:tnLst>
+      <p:par>
+        <p:cTn id="1" dur="indefinite" restart="never" nodeType="tmRoot"/>
+      </p:par>
+    </p:tnLst>
+  </p:timing>
 </p:sld>
 </file>
 
@@ -5385,7 +6122,7 @@
         <p:spPr/>
         <p:txBody>
           <a:bodyPr>
-            <a:normAutofit/>
+            <a:normAutofit fontScale="92500" lnSpcReduction="20000"/>
           </a:bodyPr>
           <a:lstStyle/>
           <a:p>
@@ -5394,17 +6131,67 @@
               <a:buChar char="•"/>
             </a:pPr>
             <a:r>
-              <a:rPr lang="de-DE" b="1" i="1" dirty="0" smtClean="0"/>
+              <a:rPr lang="de-DE" sz="2200" b="1" i="1" dirty="0" smtClean="0"/>
+              <a:t>Ist der Entwurf vollständig?</a:t>
+            </a:r>
+          </a:p>
+          <a:p>
+            <a:pPr lvl="1">
+              <a:buFont typeface="Arial" panose="020B0604020202020204" pitchFamily="34" charset="0"/>
+              <a:buChar char="•"/>
+            </a:pPr>
+            <a:r>
+              <a:rPr lang="de-DE" sz="2000" dirty="0" smtClean="0"/>
+              <a:t>Nein, die Verteilungssicht stellt eher eine Bausteinsicht des Systems dar</a:t>
+            </a:r>
+          </a:p>
+          <a:p>
+            <a:pPr lvl="1">
+              <a:buFont typeface="Arial" panose="020B0604020202020204" pitchFamily="34" charset="0"/>
+              <a:buChar char="•"/>
+            </a:pPr>
+            <a:r>
+              <a:rPr lang="de-DE" sz="2000" dirty="0" smtClean="0"/>
+              <a:t>Somit fehlt die Verteilungssicht</a:t>
+            </a:r>
+          </a:p>
+          <a:p>
+            <a:pPr lvl="1">
+              <a:buFont typeface="Arial" panose="020B0604020202020204" pitchFamily="34" charset="0"/>
+              <a:buChar char="•"/>
+            </a:pPr>
+            <a:r>
+              <a:rPr lang="de-DE" sz="2000" dirty="0" smtClean="0"/>
+              <a:t>Laufzeitsicht und </a:t>
+            </a:r>
+            <a:r>
+              <a:rPr lang="de-DE" sz="2000" dirty="0" err="1" smtClean="0"/>
+              <a:t>Use</a:t>
+            </a:r>
+            <a:r>
+              <a:rPr lang="de-DE" sz="2000" dirty="0" smtClean="0"/>
+              <a:t>-Cases fehlen</a:t>
+            </a:r>
+            <a:endParaRPr lang="de-DE" sz="2000" b="1" i="1" dirty="0"/>
+          </a:p>
+          <a:p>
+            <a:pPr>
+              <a:buFont typeface="Arial" panose="020B0604020202020204" pitchFamily="34" charset="0"/>
+              <a:buChar char="•"/>
+            </a:pPr>
+            <a:r>
+              <a:rPr lang="de-DE" sz="2200" b="1" i="1" dirty="0" smtClean="0"/>
               <a:t>Erfüllt </a:t>
             </a:r>
             <a:r>
-              <a:rPr lang="de-DE" b="1" i="1" dirty="0"/>
+              <a:rPr lang="de-DE" sz="2200" b="1" i="1" dirty="0"/>
               <a:t>der Entwurf alle funktionalen </a:t>
             </a:r>
             <a:r>
-              <a:rPr lang="de-DE" b="1" i="1" dirty="0" smtClean="0"/>
+              <a:rPr lang="de-DE" sz="2200" b="1" i="1" dirty="0" smtClean="0"/>
               <a:t>Anforderungen?</a:t>
             </a:r>
+            <a:endParaRPr lang="de-DE" b="1" i="1" dirty="0" smtClean="0"/>
           </a:p>
           <a:p>
             <a:pPr lvl="1">
@@ -5412,8 +6199,8 @@
               <a:buChar char="•"/>
             </a:pPr>
             <a:r>
-              <a:rPr lang="de-DE" dirty="0" smtClean="0"/>
-              <a:t>…</a:t>
+              <a:rPr lang="de-DE" sz="2000" dirty="0" smtClean="0"/>
+              <a:t>Es werden alle funktionalen Anforderungen erfüllt</a:t>
             </a:r>
           </a:p>
           <a:p>
@@ -5422,8 +6209,8 @@
               <a:buChar char="•"/>
             </a:pPr>
             <a:r>
-              <a:rPr lang="de-DE" dirty="0" smtClean="0"/>
-              <a:t>…</a:t>
+              <a:rPr lang="de-DE" sz="2000" dirty="0" smtClean="0"/>
+              <a:t>Die einzelnen Komponenten/Services erledigen alle Aufgaben, die aus den Anforderungen hervorgehen.</a:t>
             </a:r>
           </a:p>
           <a:p>
@@ -5432,19 +6219,19 @@
               <a:buChar char="•"/>
             </a:pPr>
             <a:r>
-              <a:rPr lang="de-DE" b="1" i="1" dirty="0"/>
+              <a:rPr lang="de-DE" sz="2200" b="1" i="1" dirty="0"/>
               <a:t>Erfüllt der Entwurf alle </a:t>
             </a:r>
             <a:r>
-              <a:rPr lang="de-DE" b="1" i="1" dirty="0" smtClean="0"/>
+              <a:rPr lang="de-DE" sz="2200" b="1" i="1" dirty="0" smtClean="0"/>
               <a:t>nichtfunktionalen </a:t>
             </a:r>
             <a:r>
-              <a:rPr lang="de-DE" b="1" i="1" dirty="0"/>
+              <a:rPr lang="de-DE" sz="2200" b="1" i="1" dirty="0"/>
               <a:t>Anforderungen</a:t>
             </a:r>
             <a:r>
-              <a:rPr lang="de-DE" b="1" i="1" dirty="0" smtClean="0"/>
+              <a:rPr lang="de-DE" sz="2200" b="1" i="1" dirty="0" smtClean="0"/>
               <a:t>?</a:t>
             </a:r>
           </a:p>
@@ -5454,9 +6241,10 @@
               <a:buChar char="•"/>
             </a:pPr>
             <a:r>
-              <a:rPr lang="de-DE" dirty="0" smtClean="0"/>
-              <a:t>…</a:t>
-            </a:r>
+              <a:rPr lang="de-DE" sz="2000" dirty="0" smtClean="0"/>
+              <a:t>Verfügbarkeit soll 99,9 % betragen</a:t>
+            </a:r>
+            <a:endParaRPr lang="de-DE" sz="2000" dirty="0"/>
           </a:p>
           <a:p>
             <a:pPr lvl="1">
@@ -5464,9 +6252,28 @@
               <a:buChar char="•"/>
             </a:pPr>
             <a:r>
-              <a:rPr lang="de-DE" dirty="0" smtClean="0"/>
-              <a:t>…</a:t>
-            </a:r>
+              <a:rPr lang="de-DE" sz="2000" dirty="0" smtClean="0"/>
+              <a:t>Dies kann gewährleistet werden, durch 3 unabhängige Docker-</a:t>
+            </a:r>
+            <a:r>
+              <a:rPr lang="de-DE" sz="2000" dirty="0" err="1" smtClean="0"/>
+              <a:t>Swarms</a:t>
+            </a:r>
+            <a:r>
+              <a:rPr lang="de-DE" sz="2000" dirty="0" smtClean="0"/>
+              <a:t> in drei verschiedenen Zonen</a:t>
+            </a:r>
+          </a:p>
+          <a:p>
+            <a:pPr lvl="1">
+              <a:buFont typeface="Arial" panose="020B0604020202020204" pitchFamily="34" charset="0"/>
+              <a:buChar char="•"/>
+            </a:pPr>
+            <a:r>
+              <a:rPr lang="de-DE" sz="2000" dirty="0" smtClean="0"/>
+              <a:t>Plan-DB wird jeweils gespiegelt</a:t>
+            </a:r>
+            <a:endParaRPr lang="de-DE" sz="2000" dirty="0" smtClean="0"/>
           </a:p>
         </p:txBody>
       </p:sp>
@@ -5480,6 +6287,13 @@
   <p:clrMapOvr>
     <a:masterClrMapping/>
   </p:clrMapOvr>
+  <p:timing>
+    <p:tnLst>
+      <p:par>
+        <p:cTn id="1" dur="indefinite" restart="never" nodeType="tmRoot"/>
+      </p:par>
+    </p:tnLst>
+  </p:timing>
 </p:sld>
 </file>
 

--- a/Aufgaben/P4/Loesung/Wochenplansoftware - Architekturbewertung.pptx
+++ b/Aufgaben/P4/Loesung/Wochenplansoftware - Architekturbewertung.pptx
@@ -3885,7 +3885,11 @@
           <a:p>
             <a:r>
               <a:rPr lang="de-DE" dirty="0" smtClean="0"/>
-              <a:t>Architekturbewertung – Allgemein (2/2)</a:t>
+              <a:t>Architekturbewertung – Allgemein (</a:t>
+            </a:r>
+            <a:r>
+              <a:rPr lang="de-DE" dirty="0" smtClean="0"/>
+              <a:t>2/4)</a:t>
             </a:r>
             <a:endParaRPr lang="de-DE" dirty="0"/>
           </a:p>
@@ -3935,7 +3939,6 @@
               <a:rPr lang="de-DE" sz="2000" dirty="0" smtClean="0"/>
               <a:t>Der Entwurf  schafft eine gute erste Übersicht über die Systemlandschaft</a:t>
             </a:r>
-            <a:endParaRPr lang="de-DE" sz="2000" dirty="0" smtClean="0"/>
           </a:p>
           <a:p>
             <a:pPr lvl="1">
@@ -4116,11 +4119,11 @@
           <a:p>
             <a:r>
               <a:rPr lang="de-DE" dirty="0" smtClean="0"/>
-              <a:t>Architekturbewertung – Allgemein </a:t>
+              <a:t>Architekturbewertung – Allgemein (</a:t>
             </a:r>
             <a:r>
               <a:rPr lang="de-DE" dirty="0" smtClean="0"/>
-              <a:t>(3/3)</a:t>
+              <a:t>3/4)</a:t>
             </a:r>
             <a:endParaRPr lang="de-DE" dirty="0"/>
           </a:p>
@@ -4302,7 +4305,19 @@
           <a:p>
             <a:r>
               <a:rPr lang="de-DE" dirty="0" smtClean="0"/>
-              <a:t>Architekturbewertung – Allgemein (3/3)</a:t>
+              <a:t>Architekturbewertung – Allgemein </a:t>
+            </a:r>
+            <a:r>
+              <a:rPr lang="de-DE" dirty="0" smtClean="0"/>
+              <a:t>(</a:t>
+            </a:r>
+            <a:r>
+              <a:rPr lang="de-DE" dirty="0"/>
+              <a:t>4</a:t>
+            </a:r>
+            <a:r>
+              <a:rPr lang="de-DE" dirty="0" smtClean="0"/>
+              <a:t>/4)</a:t>
             </a:r>
             <a:endParaRPr lang="de-DE" dirty="0"/>
           </a:p>
@@ -4350,8 +4365,19 @@
             </a:pPr>
             <a:r>
               <a:rPr lang="de-DE" sz="2000" dirty="0" smtClean="0"/>
-              <a:t>…</a:t>
-            </a:r>
+              <a:t>Das System ist relativ lose gekoppelt</a:t>
+            </a:r>
+          </a:p>
+          <a:p>
+            <a:pPr lvl="2">
+              <a:buFont typeface="Arial" panose="020B0604020202020204" pitchFamily="34" charset="0"/>
+              <a:buChar char="•"/>
+            </a:pPr>
+            <a:r>
+              <a:rPr lang="de-DE" sz="1800" dirty="0" smtClean="0"/>
+              <a:t>Die Zuständigkeiten der einzelnen Services sind kohärent</a:t>
+            </a:r>
+            <a:endParaRPr lang="de-DE" sz="1800" dirty="0" smtClean="0"/>
           </a:p>
           <a:p>
             <a:pPr lvl="1">
@@ -4360,7 +4386,17 @@
             </a:pPr>
             <a:r>
               <a:rPr lang="de-DE" sz="2000" dirty="0" smtClean="0"/>
-              <a:t>…</a:t>
+              <a:t>Dadurch lässt sich das System gut in parallelen Teams entwickeln</a:t>
+            </a:r>
+          </a:p>
+          <a:p>
+            <a:pPr lvl="2">
+              <a:buFont typeface="Arial" panose="020B0604020202020204" pitchFamily="34" charset="0"/>
+              <a:buChar char="•"/>
+            </a:pPr>
+            <a:r>
+              <a:rPr lang="de-DE" sz="1800" dirty="0" smtClean="0"/>
+              <a:t>z. B.: Wenn intern REST-Schnittstellen verwendet werden und diese klar spezifiziert sind.</a:t>
             </a:r>
           </a:p>
           <a:p>
@@ -4370,8 +4406,45 @@
             </a:pPr>
             <a:r>
               <a:rPr lang="de-DE" sz="2000" dirty="0" smtClean="0"/>
-              <a:t>…</a:t>
-            </a:r>
+              <a:t>Die Plan-DB ist etwas zu stark an die anderen Komponenten gekoppelt</a:t>
+            </a:r>
+          </a:p>
+          <a:p>
+            <a:pPr lvl="1">
+              <a:buFont typeface="Arial" panose="020B0604020202020204" pitchFamily="34" charset="0"/>
+              <a:buChar char="•"/>
+            </a:pPr>
+            <a:r>
+              <a:rPr lang="de-DE" sz="2000" dirty="0" smtClean="0"/>
+              <a:t>Optimierungsvorschlag:</a:t>
+            </a:r>
+          </a:p>
+          <a:p>
+            <a:pPr lvl="2">
+              <a:buFont typeface="Arial" panose="020B0604020202020204" pitchFamily="34" charset="0"/>
+              <a:buChar char="•"/>
+            </a:pPr>
+            <a:r>
+              <a:rPr lang="de-DE" sz="1800" dirty="0" smtClean="0"/>
+              <a:t>Die Verbindung zwischen Plan-DB und Email-Service entfernen</a:t>
+            </a:r>
+          </a:p>
+          <a:p>
+            <a:pPr lvl="2">
+              <a:buFont typeface="Arial" panose="020B0604020202020204" pitchFamily="34" charset="0"/>
+              <a:buChar char="•"/>
+            </a:pPr>
+            <a:r>
+              <a:rPr lang="de-DE" sz="1800" dirty="0" smtClean="0"/>
+              <a:t>Der Plan-Service könnte nach erfolgreicher Speicherung eines Wochenplans, direkt den E-Mailservice für das Versenden der Wochenpläne nutzen.</a:t>
+            </a:r>
+          </a:p>
+          <a:p>
+            <a:pPr lvl="2">
+              <a:buFont typeface="Arial" panose="020B0604020202020204" pitchFamily="34" charset="0"/>
+              <a:buChar char="•"/>
+            </a:pPr>
+            <a:endParaRPr lang="de-DE" sz="1600" dirty="0" smtClean="0"/>
           </a:p>
           <a:p>
             <a:pPr marL="0" indent="0">
@@ -4701,7 +4774,6 @@
               <a:rPr lang="de-DE" sz="2000" dirty="0" smtClean="0"/>
               <a:t>AMQP</a:t>
             </a:r>
-            <a:endParaRPr lang="de-DE" sz="2000" dirty="0" smtClean="0"/>
           </a:p>
           <a:p>
             <a:pPr lvl="1">
@@ -4795,11 +4867,7 @@
             </a:r>
             <a:r>
               <a:rPr lang="de-DE" sz="2000" dirty="0" smtClean="0"/>
-              <a:t>, da </a:t>
-            </a:r>
-            <a:r>
-              <a:rPr lang="de-DE" sz="2000" dirty="0" smtClean="0"/>
-              <a:t>mehrere Docker </a:t>
+              <a:t>, da mehrere Docker </a:t>
             </a:r>
             <a:r>
               <a:rPr lang="de-DE" sz="2000" dirty="0" err="1"/>
@@ -5023,11 +5091,7 @@
             </a:pPr>
             <a:r>
               <a:rPr lang="de-DE" sz="2200" b="1" dirty="0" smtClean="0"/>
-              <a:t> Nutzen</a:t>
-            </a:r>
-            <a:r>
-              <a:rPr lang="de-DE" sz="2200" b="1" dirty="0" smtClean="0"/>
-              <a:t>?</a:t>
+              <a:t> Nutzen?</a:t>
             </a:r>
           </a:p>
           <a:p>
@@ -5375,7 +5439,6 @@
               <a:rPr lang="de-DE" sz="2400" b="1" dirty="0" smtClean="0"/>
               <a:t>Funktion</a:t>
             </a:r>
-            <a:endParaRPr lang="de-DE" sz="2400" b="1" dirty="0" smtClean="0"/>
           </a:p>
           <a:p>
             <a:pPr lvl="1">
@@ -5791,15 +5854,7 @@
             </a:pPr>
             <a:r>
               <a:rPr lang="de-DE" sz="2000" dirty="0" smtClean="0"/>
-              <a:t>Aber prinzipiell </a:t>
-            </a:r>
-            <a:r>
-              <a:rPr lang="de-DE" sz="2000" dirty="0" smtClean="0"/>
-              <a:t>ist das eine </a:t>
-            </a:r>
-            <a:r>
-              <a:rPr lang="de-DE" sz="2000" dirty="0" smtClean="0"/>
-              <a:t>gute Entscheidung</a:t>
+              <a:t>Aber prinzipiell ist das eine gute Entscheidung</a:t>
             </a:r>
           </a:p>
         </p:txBody>
@@ -5903,7 +5958,6 @@
               <a:rPr lang="de-DE" sz="2200" b="1" dirty="0" smtClean="0"/>
               <a:t>Funktion</a:t>
             </a:r>
-            <a:endParaRPr lang="de-DE" sz="2200" b="1" dirty="0" smtClean="0"/>
           </a:p>
           <a:p>
             <a:pPr lvl="1">
@@ -5923,11 +5977,7 @@
             </a:pPr>
             <a:r>
               <a:rPr lang="de-DE" sz="2200" b="1" dirty="0" smtClean="0"/>
-              <a:t> Soll </a:t>
-            </a:r>
-            <a:r>
-              <a:rPr lang="de-DE" sz="2200" b="1" dirty="0" smtClean="0"/>
-              <a:t>als Node.js App implementiert werden</a:t>
+              <a:t> Soll als Node.js App implementiert werden</a:t>
             </a:r>
           </a:p>
           <a:p>
@@ -5943,6 +5993,10 @@
               <a:rPr lang="de-DE" sz="2000" dirty="0" err="1" smtClean="0"/>
               <a:t>Nodemailer</a:t>
             </a:r>
+            <a:r>
+              <a:rPr lang="de-DE" sz="2000" dirty="0" smtClean="0"/>
+              <a:t> -&gt; einfaches Node.js Modul zum Versenden von E-Mails</a:t>
+            </a:r>
             <a:endParaRPr lang="de-DE" sz="2000" dirty="0" smtClean="0"/>
           </a:p>
           <a:p>
@@ -5952,7 +6006,11 @@
             </a:pPr>
             <a:r>
               <a:rPr lang="de-DE" sz="2000" dirty="0" smtClean="0"/>
-              <a:t>Nachteil: -</a:t>
+              <a:t>Nachteil: </a:t>
+            </a:r>
+            <a:r>
+              <a:rPr lang="de-DE" sz="2000" dirty="0" smtClean="0"/>
+              <a:t>bisher nicht bekannt</a:t>
             </a:r>
             <a:endParaRPr lang="de-DE" sz="2000" dirty="0" smtClean="0"/>
           </a:p>
@@ -6045,7 +6103,167 @@
           <a:bodyPr/>
           <a:lstStyle/>
           <a:p>
-            <a:endParaRPr lang="de-DE" dirty="0"/>
+            <a:pPr>
+              <a:buFont typeface="Arial" panose="020B0604020202020204" pitchFamily="34" charset="0"/>
+              <a:buChar char="•"/>
+            </a:pPr>
+            <a:r>
+              <a:rPr lang="de-DE" dirty="0" smtClean="0"/>
+              <a:t> </a:t>
+            </a:r>
+            <a:r>
+              <a:rPr lang="de-DE" sz="2200" b="1" i="1" dirty="0" smtClean="0"/>
+              <a:t>Funktion</a:t>
+            </a:r>
+          </a:p>
+          <a:p>
+            <a:pPr lvl="1">
+              <a:buFont typeface="Arial" panose="020B0604020202020204" pitchFamily="34" charset="0"/>
+              <a:buChar char="•"/>
+            </a:pPr>
+            <a:r>
+              <a:rPr lang="de-DE" sz="2000" dirty="0"/>
+              <a:t>Die API bietet lediglich einen Lesezugriff </a:t>
+            </a:r>
+            <a:r>
+              <a:rPr lang="de-DE" sz="2000" dirty="0" smtClean="0"/>
+              <a:t>auf</a:t>
+            </a:r>
+          </a:p>
+          <a:p>
+            <a:pPr>
+              <a:buFont typeface="Arial" panose="020B0604020202020204" pitchFamily="34" charset="0"/>
+              <a:buChar char="•"/>
+            </a:pPr>
+            <a:r>
+              <a:rPr lang="de-DE" sz="2200" b="1" i="1" dirty="0" smtClean="0"/>
+              <a:t> Die </a:t>
+            </a:r>
+            <a:r>
+              <a:rPr lang="de-DE" sz="2200" b="1" i="1" dirty="0" err="1"/>
+              <a:t>External</a:t>
+            </a:r>
+            <a:r>
+              <a:rPr lang="de-DE" sz="2200" b="1" i="1" dirty="0"/>
+              <a:t> API </a:t>
+            </a:r>
+            <a:r>
+              <a:rPr lang="de-DE" sz="2200" b="1" i="1" dirty="0" smtClean="0"/>
+              <a:t>soll mit </a:t>
+            </a:r>
+            <a:r>
+              <a:rPr lang="de-DE" sz="2200" b="1" i="1" dirty="0" err="1"/>
+              <a:t>Yesod</a:t>
+            </a:r>
+            <a:r>
+              <a:rPr lang="de-DE" sz="2200" b="1" i="1" dirty="0"/>
+              <a:t> in </a:t>
+            </a:r>
+            <a:r>
+              <a:rPr lang="de-DE" sz="2200" b="1" i="1" dirty="0" err="1"/>
+              <a:t>Haskell</a:t>
+            </a:r>
+            <a:r>
+              <a:rPr lang="de-DE" sz="2200" b="1" i="1" dirty="0"/>
+              <a:t> </a:t>
+            </a:r>
+            <a:r>
+              <a:rPr lang="de-DE" sz="2200" b="1" i="1" dirty="0" smtClean="0"/>
+              <a:t>implementiert werden</a:t>
+            </a:r>
+          </a:p>
+          <a:p>
+            <a:pPr lvl="1">
+              <a:buFont typeface="Arial" panose="020B0604020202020204" pitchFamily="34" charset="0"/>
+              <a:buChar char="•"/>
+            </a:pPr>
+            <a:r>
+              <a:rPr lang="de-DE" sz="2000" dirty="0" smtClean="0"/>
+              <a:t>Vorteil</a:t>
+            </a:r>
+          </a:p>
+          <a:p>
+            <a:pPr lvl="2">
+              <a:buFont typeface="Arial" panose="020B0604020202020204" pitchFamily="34" charset="0"/>
+              <a:buChar char="•"/>
+            </a:pPr>
+            <a:r>
+              <a:rPr lang="de-DE" sz="1800" dirty="0" err="1" smtClean="0"/>
+              <a:t>Yesod</a:t>
+            </a:r>
+            <a:r>
+              <a:rPr lang="de-DE" sz="1800" dirty="0" smtClean="0"/>
+              <a:t> ist performanter als z. B. Node.js, z. B. bei asynchronen Aufrufen</a:t>
+            </a:r>
+          </a:p>
+          <a:p>
+            <a:pPr lvl="2">
+              <a:buFont typeface="Arial" panose="020B0604020202020204" pitchFamily="34" charset="0"/>
+              <a:buChar char="•"/>
+            </a:pPr>
+            <a:r>
+              <a:rPr lang="de-DE" sz="1800" dirty="0" smtClean="0"/>
+              <a:t>Wenn viele Servicekräfte gleichzeitig ihre Pläne abrufen wollen, ist </a:t>
+            </a:r>
+            <a:r>
+              <a:rPr lang="de-DE" sz="1800" dirty="0" err="1" smtClean="0"/>
+              <a:t>Yesod</a:t>
+            </a:r>
+            <a:r>
+              <a:rPr lang="de-DE" sz="1800" dirty="0" smtClean="0"/>
+              <a:t> eine gute Wahl</a:t>
+            </a:r>
+          </a:p>
+          <a:p>
+            <a:pPr lvl="1">
+              <a:buFont typeface="Arial" panose="020B0604020202020204" pitchFamily="34" charset="0"/>
+              <a:buChar char="•"/>
+            </a:pPr>
+            <a:r>
+              <a:rPr lang="de-DE" sz="2200" dirty="0" smtClean="0"/>
+              <a:t>Nachteil</a:t>
+            </a:r>
+          </a:p>
+          <a:p>
+            <a:pPr lvl="2">
+              <a:buFont typeface="Arial" panose="020B0604020202020204" pitchFamily="34" charset="0"/>
+              <a:buChar char="•"/>
+            </a:pPr>
+            <a:r>
+              <a:rPr lang="de-DE" sz="1800" dirty="0" smtClean="0"/>
+              <a:t>Wieder eine Programmiersprache mehr die vom Entwicklerteam beherrscht werden muss</a:t>
+            </a:r>
+          </a:p>
+          <a:p>
+            <a:pPr lvl="2">
+              <a:buFont typeface="Arial" panose="020B0604020202020204" pitchFamily="34" charset="0"/>
+              <a:buChar char="•"/>
+            </a:pPr>
+            <a:r>
+              <a:rPr lang="de-DE" sz="1800" dirty="0" smtClean="0"/>
+              <a:t>Expertensuche bei Entwicklerwechsel</a:t>
+            </a:r>
+          </a:p>
+          <a:p>
+            <a:pPr lvl="2">
+              <a:buFont typeface="Arial" panose="020B0604020202020204" pitchFamily="34" charset="0"/>
+              <a:buChar char="•"/>
+            </a:pPr>
+            <a:endParaRPr lang="de-DE" sz="1600" dirty="0"/>
+          </a:p>
+          <a:p>
+            <a:pPr>
+              <a:buFont typeface="Arial" panose="020B0604020202020204" pitchFamily="34" charset="0"/>
+              <a:buChar char="•"/>
+            </a:pPr>
+            <a:endParaRPr lang="de-DE" sz="2200" dirty="0" smtClean="0"/>
+          </a:p>
+          <a:p>
+            <a:pPr lvl="1">
+              <a:buFont typeface="Arial" panose="020B0604020202020204" pitchFamily="34" charset="0"/>
+              <a:buChar char="•"/>
+            </a:pPr>
+            <a:endParaRPr lang="de-DE" b="1" i="1" dirty="0"/>
           </a:p>
         </p:txBody>
       </p:sp>
@@ -6103,7 +6321,11 @@
           <a:p>
             <a:r>
               <a:rPr lang="de-DE" dirty="0" smtClean="0"/>
-              <a:t>Architekturbewertung – Allgemein (1/2)</a:t>
+              <a:t>Architekturbewertung – Allgemein (</a:t>
+            </a:r>
+            <a:r>
+              <a:rPr lang="de-DE" dirty="0" smtClean="0"/>
+              <a:t>1/4)</a:t>
             </a:r>
             <a:endParaRPr lang="de-DE" dirty="0"/>
           </a:p>
@@ -6131,7 +6353,7 @@
               <a:buChar char="•"/>
             </a:pPr>
             <a:r>
-              <a:rPr lang="de-DE" sz="2200" b="1" i="1" dirty="0" smtClean="0"/>
+              <a:rPr lang="de-DE" sz="2400" b="1" i="1" dirty="0" smtClean="0"/>
               <a:t>Ist der Entwurf vollständig?</a:t>
             </a:r>
           </a:p>
@@ -6141,7 +6363,7 @@
               <a:buChar char="•"/>
             </a:pPr>
             <a:r>
-              <a:rPr lang="de-DE" sz="2000" dirty="0" smtClean="0"/>
+              <a:rPr lang="de-DE" sz="2200" dirty="0" smtClean="0"/>
               <a:t>Nein, die Verteilungssicht stellt eher eine Bausteinsicht des Systems dar</a:t>
             </a:r>
           </a:p>
@@ -6151,7 +6373,7 @@
               <a:buChar char="•"/>
             </a:pPr>
             <a:r>
-              <a:rPr lang="de-DE" sz="2000" dirty="0" smtClean="0"/>
+              <a:rPr lang="de-DE" sz="2200" dirty="0" smtClean="0"/>
               <a:t>Somit fehlt die Verteilungssicht</a:t>
             </a:r>
           </a:p>
@@ -6161,18 +6383,18 @@
               <a:buChar char="•"/>
             </a:pPr>
             <a:r>
-              <a:rPr lang="de-DE" sz="2000" dirty="0" smtClean="0"/>
+              <a:rPr lang="de-DE" sz="2200" dirty="0" smtClean="0"/>
               <a:t>Laufzeitsicht und </a:t>
             </a:r>
             <a:r>
-              <a:rPr lang="de-DE" sz="2000" dirty="0" err="1" smtClean="0"/>
+              <a:rPr lang="de-DE" sz="2200" dirty="0" err="1" smtClean="0"/>
               <a:t>Use</a:t>
             </a:r>
             <a:r>
-              <a:rPr lang="de-DE" sz="2000" dirty="0" smtClean="0"/>
+              <a:rPr lang="de-DE" sz="2200" dirty="0" smtClean="0"/>
               <a:t>-Cases fehlen</a:t>
             </a:r>
-            <a:endParaRPr lang="de-DE" sz="2000" b="1" i="1" dirty="0"/>
+            <a:endParaRPr lang="de-DE" sz="2200" b="1" i="1" dirty="0"/>
           </a:p>
           <a:p>
             <a:pPr>
@@ -6180,18 +6402,17 @@
               <a:buChar char="•"/>
             </a:pPr>
             <a:r>
-              <a:rPr lang="de-DE" sz="2200" b="1" i="1" dirty="0" smtClean="0"/>
+              <a:rPr lang="de-DE" sz="2400" b="1" i="1" dirty="0" smtClean="0"/>
               <a:t>Erfüllt </a:t>
             </a:r>
             <a:r>
-              <a:rPr lang="de-DE" sz="2200" b="1" i="1" dirty="0"/>
+              <a:rPr lang="de-DE" sz="2400" b="1" i="1" dirty="0"/>
               <a:t>der Entwurf alle funktionalen </a:t>
             </a:r>
             <a:r>
-              <a:rPr lang="de-DE" sz="2200" b="1" i="1" dirty="0" smtClean="0"/>
+              <a:rPr lang="de-DE" sz="2400" b="1" i="1" dirty="0" smtClean="0"/>
               <a:t>Anforderungen?</a:t>
             </a:r>
-            <a:endParaRPr lang="de-DE" b="1" i="1" dirty="0" smtClean="0"/>
           </a:p>
           <a:p>
             <a:pPr lvl="1">
@@ -6199,7 +6420,7 @@
               <a:buChar char="•"/>
             </a:pPr>
             <a:r>
-              <a:rPr lang="de-DE" sz="2000" dirty="0" smtClean="0"/>
+              <a:rPr lang="de-DE" sz="2200" dirty="0" smtClean="0"/>
               <a:t>Es werden alle funktionalen Anforderungen erfüllt</a:t>
             </a:r>
           </a:p>
@@ -6209,7 +6430,7 @@
               <a:buChar char="•"/>
             </a:pPr>
             <a:r>
-              <a:rPr lang="de-DE" sz="2000" dirty="0" smtClean="0"/>
+              <a:rPr lang="de-DE" sz="2200" dirty="0" smtClean="0"/>
               <a:t>Die einzelnen Komponenten/Services erledigen alle Aufgaben, die aus den Anforderungen hervorgehen.</a:t>
             </a:r>
           </a:p>
@@ -6219,19 +6440,19 @@
               <a:buChar char="•"/>
             </a:pPr>
             <a:r>
-              <a:rPr lang="de-DE" sz="2200" b="1" i="1" dirty="0"/>
+              <a:rPr lang="de-DE" sz="2400" b="1" i="1" dirty="0"/>
               <a:t>Erfüllt der Entwurf alle </a:t>
             </a:r>
             <a:r>
-              <a:rPr lang="de-DE" sz="2200" b="1" i="1" dirty="0" smtClean="0"/>
+              <a:rPr lang="de-DE" sz="2400" b="1" i="1" dirty="0" smtClean="0"/>
               <a:t>nichtfunktionalen </a:t>
             </a:r>
             <a:r>
-              <a:rPr lang="de-DE" sz="2200" b="1" i="1" dirty="0"/>
+              <a:rPr lang="de-DE" sz="2400" b="1" i="1" dirty="0"/>
               <a:t>Anforderungen</a:t>
             </a:r>
             <a:r>
-              <a:rPr lang="de-DE" sz="2200" b="1" i="1" dirty="0" smtClean="0"/>
+              <a:rPr lang="de-DE" sz="2400" b="1" i="1" dirty="0" smtClean="0"/>
               <a:t>?</a:t>
             </a:r>
           </a:p>
@@ -6241,10 +6462,10 @@
               <a:buChar char="•"/>
             </a:pPr>
             <a:r>
-              <a:rPr lang="de-DE" sz="2000" dirty="0" smtClean="0"/>
+              <a:rPr lang="de-DE" sz="2200" dirty="0" smtClean="0"/>
               <a:t>Verfügbarkeit soll 99,9 % betragen</a:t>
             </a:r>
-            <a:endParaRPr lang="de-DE" sz="2000" dirty="0"/>
+            <a:endParaRPr lang="de-DE" sz="2200" dirty="0"/>
           </a:p>
           <a:p>
             <a:pPr lvl="1">
@@ -6252,15 +6473,15 @@
               <a:buChar char="•"/>
             </a:pPr>
             <a:r>
-              <a:rPr lang="de-DE" sz="2000" dirty="0" smtClean="0"/>
+              <a:rPr lang="de-DE" sz="2200" dirty="0" smtClean="0"/>
               <a:t>Dies kann gewährleistet werden, durch 3 unabhängige Docker-</a:t>
             </a:r>
             <a:r>
-              <a:rPr lang="de-DE" sz="2000" dirty="0" err="1" smtClean="0"/>
+              <a:rPr lang="de-DE" sz="2200" dirty="0" err="1" smtClean="0"/>
               <a:t>Swarms</a:t>
             </a:r>
             <a:r>
-              <a:rPr lang="de-DE" sz="2000" dirty="0" smtClean="0"/>
+              <a:rPr lang="de-DE" sz="2200" dirty="0" smtClean="0"/>
               <a:t> in drei verschiedenen Zonen</a:t>
             </a:r>
           </a:p>
@@ -6270,10 +6491,9 @@
               <a:buChar char="•"/>
             </a:pPr>
             <a:r>
-              <a:rPr lang="de-DE" sz="2000" dirty="0" smtClean="0"/>
+              <a:rPr lang="de-DE" sz="2200" dirty="0" smtClean="0"/>
               <a:t>Plan-DB wird jeweils gespiegelt</a:t>
             </a:r>
-            <a:endParaRPr lang="de-DE" sz="2000" dirty="0" smtClean="0"/>
           </a:p>
         </p:txBody>
       </p:sp>

--- a/Aufgaben/P4/Loesung/Wochenplansoftware - Architekturbewertung.pptx
+++ b/Aufgaben/P4/Loesung/Wochenplansoftware - Architekturbewertung.pptx
@@ -17,7 +17,9 @@
     <p:sldId id="265" r:id="rId11"/>
     <p:sldId id="267" r:id="rId12"/>
     <p:sldId id="266" r:id="rId13"/>
-    <p:sldId id="268" r:id="rId14"/>
+    <p:sldId id="269" r:id="rId14"/>
+    <p:sldId id="270" r:id="rId15"/>
+    <p:sldId id="268" r:id="rId16"/>
   </p:sldIdLst>
   <p:sldSz cx="12192000" cy="6858000"/>
   <p:notesSz cx="6858000" cy="9144000"/>
@@ -350,7 +352,7 @@
           <a:p>
             <a:fld id="{4BDF68E2-58F2-4D09-BE8B-E3BD06533059}" type="datetimeFigureOut">
               <a:rPr lang="en-US" dirty="0"/>
-              <a:t>6/7/2016</a:t>
+              <a:t>6/8/2016</a:t>
             </a:fld>
             <a:endParaRPr lang="en-US" dirty="0"/>
           </a:p>
@@ -553,7 +555,7 @@
           <a:p>
             <a:fld id="{2E2D6473-DF6D-4702-B328-E0DD40540A4E}" type="datetimeFigureOut">
               <a:rPr lang="en-US" dirty="0"/>
-              <a:t>6/7/2016</a:t>
+              <a:t>6/8/2016</a:t>
             </a:fld>
             <a:endParaRPr lang="en-US" dirty="0"/>
           </a:p>
@@ -804,7 +806,7 @@
           <a:p>
             <a:fld id="{E26F7E3A-B166-407D-9866-32884E7D5B37}" type="datetimeFigureOut">
               <a:rPr lang="en-US" dirty="0"/>
-              <a:t>6/7/2016</a:t>
+              <a:t>6/8/2016</a:t>
             </a:fld>
             <a:endParaRPr lang="en-US" dirty="0"/>
           </a:p>
@@ -973,7 +975,7 @@
           <a:p>
             <a:fld id="{528FC5F6-F338-4AE4-BB23-26385BCFC423}" type="datetimeFigureOut">
               <a:rPr lang="en-US" dirty="0"/>
-              <a:t>6/7/2016</a:t>
+              <a:t>6/8/2016</a:t>
             </a:fld>
             <a:endParaRPr lang="en-US" dirty="0"/>
           </a:p>
@@ -1311,7 +1313,7 @@
           <a:p>
             <a:fld id="{20EBB0C4-6273-4C6E-B9BD-2EDC30F1CD52}" type="datetimeFigureOut">
               <a:rPr lang="en-US" dirty="0"/>
-              <a:t>6/7/2016</a:t>
+              <a:t>6/8/2016</a:t>
             </a:fld>
             <a:endParaRPr lang="en-US" dirty="0"/>
           </a:p>
@@ -1581,7 +1583,7 @@
           <a:p>
             <a:fld id="{19AB4D41-86C1-4908-B66A-0B50CEB3BF29}" type="datetimeFigureOut">
               <a:rPr lang="en-US" dirty="0"/>
-              <a:t>6/7/2016</a:t>
+              <a:t>6/8/2016</a:t>
             </a:fld>
             <a:endParaRPr lang="en-US" dirty="0"/>
           </a:p>
@@ -1955,7 +1957,7 @@
           <a:p>
             <a:fld id="{E6426E2C-56C1-4E0D-A793-0088A7FDD37E}" type="datetimeFigureOut">
               <a:rPr lang="en-US" dirty="0"/>
-              <a:t>6/7/2016</a:t>
+              <a:t>6/8/2016</a:t>
             </a:fld>
             <a:endParaRPr lang="en-US" dirty="0"/>
           </a:p>
@@ -2068,7 +2070,7 @@
           <a:p>
             <a:fld id="{C8C39B41-D8B5-4052-B551-9B5525EAA8B6}" type="datetimeFigureOut">
               <a:rPr lang="en-US" dirty="0"/>
-              <a:t>6/7/2016</a:t>
+              <a:t>6/8/2016</a:t>
             </a:fld>
             <a:endParaRPr lang="en-US" dirty="0"/>
           </a:p>
@@ -2234,7 +2236,7 @@
           <a:p>
             <a:fld id="{4D94136C-8742-45B2-AF27-D93DF72833A9}" type="datetimeFigureOut">
               <a:rPr lang="en-US" dirty="0"/>
-              <a:t>6/7/2016</a:t>
+              <a:t>6/8/2016</a:t>
             </a:fld>
             <a:endParaRPr lang="en-US" dirty="0"/>
           </a:p>
@@ -2584,7 +2586,7 @@
           <a:p>
             <a:fld id="{32ABBEA6-7C60-4B02-AE87-00D78D8422AF}" type="datetimeFigureOut">
               <a:rPr lang="en-US" dirty="0"/>
-              <a:t>6/7/2016</a:t>
+              <a:t>6/8/2016</a:t>
             </a:fld>
             <a:endParaRPr lang="en-US" dirty="0"/>
           </a:p>
@@ -2962,7 +2964,7 @@
           <a:p>
             <a:fld id="{C9CAD897-D46E-4AD2-BD9B-49DD3E640873}" type="datetimeFigureOut">
               <a:rPr lang="en-US" dirty="0"/>
-              <a:t>6/7/2016</a:t>
+              <a:t>6/8/2016</a:t>
             </a:fld>
             <a:endParaRPr lang="en-US" dirty="0"/>
           </a:p>
@@ -3244,7 +3246,7 @@
           <a:p>
             <a:fld id="{98624D31-43A5-475A-80CF-332C9F6DCF35}" type="datetimeFigureOut">
               <a:rPr lang="en-US" dirty="0"/>
-              <a:t>6/7/2016</a:t>
+              <a:t>6/8/2016</a:t>
             </a:fld>
             <a:endParaRPr lang="en-US" dirty="0"/>
           </a:p>
@@ -3885,11 +3887,7 @@
           <a:p>
             <a:r>
               <a:rPr lang="de-DE" dirty="0" smtClean="0"/>
-              <a:t>Architekturbewertung – Allgemein (</a:t>
-            </a:r>
-            <a:r>
-              <a:rPr lang="de-DE" dirty="0" smtClean="0"/>
-              <a:t>2/4)</a:t>
+              <a:t>Architekturbewertung – Allgemein (2/7)</a:t>
             </a:r>
             <a:endParaRPr lang="de-DE" dirty="0"/>
           </a:p>
@@ -4015,7 +4013,7 @@
             </a:pPr>
             <a:r>
               <a:rPr lang="de-DE" sz="1800" dirty="0" smtClean="0"/>
-              <a:t>System soll mit der </a:t>
+              <a:t>Das System soll mit der </a:t>
             </a:r>
             <a:r>
               <a:rPr lang="de-DE" sz="1800" dirty="0" err="1" smtClean="0"/>
@@ -4033,7 +4031,7 @@
             </a:pPr>
             <a:r>
               <a:rPr lang="de-DE" sz="1600" dirty="0" smtClean="0"/>
-              <a:t>Wie ist die Aufteilung der einzelnen Services auf jeweils 4 Servern geplant?</a:t>
+              <a:t>Wie ist die Aufteilung der einzelnen Services auf jeweils 4 Server geplant?</a:t>
             </a:r>
           </a:p>
           <a:p>
@@ -4119,11 +4117,7 @@
           <a:p>
             <a:r>
               <a:rPr lang="de-DE" dirty="0" smtClean="0"/>
-              <a:t>Architekturbewertung – Allgemein (</a:t>
-            </a:r>
-            <a:r>
-              <a:rPr lang="de-DE" dirty="0" smtClean="0"/>
-              <a:t>3/4)</a:t>
+              <a:t>Architekturbewertung – Allgemein (3/7)</a:t>
             </a:r>
             <a:endParaRPr lang="de-DE" dirty="0"/>
           </a:p>
@@ -4208,7 +4202,7 @@
             </a:pPr>
             <a:r>
               <a:rPr lang="de-DE" sz="1800" dirty="0" smtClean="0"/>
-              <a:t>Gibt es oder soll es einen gesonderten Client, der von außen darauf zugreifen kann?</a:t>
+              <a:t>Soll es einen gesonderten Client geben, der von außen darauf zugreifen kann?</a:t>
             </a:r>
             <a:endParaRPr lang="de-DE" sz="2000" dirty="0"/>
           </a:p>
@@ -4305,19 +4299,7 @@
           <a:p>
             <a:r>
               <a:rPr lang="de-DE" dirty="0" smtClean="0"/>
-              <a:t>Architekturbewertung – Allgemein </a:t>
-            </a:r>
-            <a:r>
-              <a:rPr lang="de-DE" dirty="0" smtClean="0"/>
-              <a:t>(</a:t>
-            </a:r>
-            <a:r>
-              <a:rPr lang="de-DE" dirty="0"/>
-              <a:t>4</a:t>
-            </a:r>
-            <a:r>
-              <a:rPr lang="de-DE" dirty="0" smtClean="0"/>
-              <a:t>/4)</a:t>
+              <a:t>Architekturbewertung – Allgemein (4/7)</a:t>
             </a:r>
             <a:endParaRPr lang="de-DE" dirty="0"/>
           </a:p>
@@ -4365,7 +4347,7 @@
             </a:pPr>
             <a:r>
               <a:rPr lang="de-DE" sz="2000" dirty="0" smtClean="0"/>
-              <a:t>Das System ist relativ lose gekoppelt</a:t>
+              <a:t>Die Komponenten des Systems sind lose gekoppelt</a:t>
             </a:r>
           </a:p>
           <a:p>
@@ -4377,7 +4359,6 @@
               <a:rPr lang="de-DE" sz="1800" dirty="0" smtClean="0"/>
               <a:t>Die Zuständigkeiten der einzelnen Services sind kohärent</a:t>
             </a:r>
-            <a:endParaRPr lang="de-DE" sz="1800" dirty="0" smtClean="0"/>
           </a:p>
           <a:p>
             <a:pPr lvl="1">
@@ -4436,7 +4417,7 @@
             </a:pPr>
             <a:r>
               <a:rPr lang="de-DE" sz="1800" dirty="0" smtClean="0"/>
-              <a:t>Der Plan-Service könnte nach erfolgreicher Speicherung eines Wochenplans, direkt den E-Mailservice für das Versenden der Wochenpläne nutzen.</a:t>
+              <a:t>Der Plan-Service könnte nach erfolgreicher Speicherung eines Wochenplans, direkt den E-Mailservice für das Versenden der Wochenpläne, nutzen.</a:t>
             </a:r>
           </a:p>
           <a:p>
@@ -4508,7 +4489,7 @@
           <a:p>
             <a:r>
               <a:rPr lang="de-DE" dirty="0" smtClean="0"/>
-              <a:t>Architekturbewertung – Allgemein (3/3)</a:t>
+              <a:t>Architekturbewertung – Allgemein (5/7)</a:t>
             </a:r>
             <a:endParaRPr lang="de-DE" dirty="0"/>
           </a:p>
@@ -4531,6 +4512,331 @@
           </a:bodyPr>
           <a:lstStyle/>
           <a:p>
+            <a:pPr marL="384048" lvl="2" indent="0">
+              <a:buNone/>
+            </a:pPr>
+            <a:endParaRPr lang="de-DE" sz="1600" dirty="0" smtClean="0"/>
+          </a:p>
+          <a:p>
+            <a:pPr marL="0" indent="0">
+              <a:buNone/>
+            </a:pPr>
+            <a:endParaRPr lang="de-DE" dirty="0"/>
+          </a:p>
+        </p:txBody>
+      </p:sp>
+      <p:pic>
+        <p:nvPicPr>
+          <p:cNvPr id="6" name="Grafik 5"/>
+          <p:cNvPicPr>
+            <a:picLocks noChangeAspect="1"/>
+          </p:cNvPicPr>
+          <p:nvPr/>
+        </p:nvPicPr>
+        <p:blipFill>
+          <a:blip r:embed="rId2">
+            <a:extLst>
+              <a:ext uri="{28A0092B-C50C-407E-A947-70E740481C1C}">
+                <a14:useLocalDpi xmlns:a14="http://schemas.microsoft.com/office/drawing/2010/main" val="0"/>
+              </a:ext>
+            </a:extLst>
+          </a:blip>
+          <a:stretch>
+            <a:fillRect/>
+          </a:stretch>
+        </p:blipFill>
+        <p:spPr>
+          <a:xfrm>
+            <a:off x="1097280" y="1845734"/>
+            <a:ext cx="8199120" cy="4819766"/>
+          </a:xfrm>
+          <a:prstGeom prst="rect">
+            <a:avLst/>
+          </a:prstGeom>
+        </p:spPr>
+      </p:pic>
+    </p:spTree>
+    <p:extLst>
+      <p:ext uri="{BB962C8B-B14F-4D97-AF65-F5344CB8AC3E}">
+        <p14:creationId xmlns:p14="http://schemas.microsoft.com/office/powerpoint/2010/main" val="481017853"/>
+      </p:ext>
+    </p:extLst>
+  </p:cSld>
+  <p:clrMapOvr>
+    <a:masterClrMapping/>
+  </p:clrMapOvr>
+  <p:timing>
+    <p:tnLst>
+      <p:par>
+        <p:cTn id="1" dur="indefinite" restart="never" nodeType="tmRoot"/>
+      </p:par>
+    </p:tnLst>
+  </p:timing>
+</p:sld>
+</file>
+
+<file path=ppt/slides/slide14.xml><?xml version="1.0" encoding="utf-8"?>
+<p:sld xmlns:a="http://schemas.openxmlformats.org/drawingml/2006/main" xmlns:r="http://schemas.openxmlformats.org/officeDocument/2006/relationships" xmlns:p="http://schemas.openxmlformats.org/presentationml/2006/main">
+  <p:cSld>
+    <p:spTree>
+      <p:nvGrpSpPr>
+        <p:cNvPr id="1" name=""/>
+        <p:cNvGrpSpPr/>
+        <p:nvPr/>
+      </p:nvGrpSpPr>
+      <p:grpSpPr>
+        <a:xfrm>
+          <a:off x="0" y="0"/>
+          <a:ext cx="0" cy="0"/>
+          <a:chOff x="0" y="0"/>
+          <a:chExt cx="0" cy="0"/>
+        </a:xfrm>
+      </p:grpSpPr>
+      <p:sp>
+        <p:nvSpPr>
+          <p:cNvPr id="2" name="Titel 1"/>
+          <p:cNvSpPr>
+            <a:spLocks noGrp="1"/>
+          </p:cNvSpPr>
+          <p:nvPr>
+            <p:ph type="title"/>
+          </p:nvPr>
+        </p:nvSpPr>
+        <p:spPr/>
+        <p:txBody>
+          <a:bodyPr/>
+          <a:lstStyle/>
+          <a:p>
+            <a:r>
+              <a:rPr lang="de-DE" dirty="0" smtClean="0"/>
+              <a:t>Architekturbewertung – Allgemein (6/7)</a:t>
+            </a:r>
+            <a:endParaRPr lang="de-DE" dirty="0"/>
+          </a:p>
+        </p:txBody>
+      </p:sp>
+      <p:sp>
+        <p:nvSpPr>
+          <p:cNvPr id="3" name="Inhaltsplatzhalter 2"/>
+          <p:cNvSpPr>
+            <a:spLocks noGrp="1"/>
+          </p:cNvSpPr>
+          <p:nvPr>
+            <p:ph idx="1"/>
+          </p:nvPr>
+        </p:nvSpPr>
+        <p:spPr/>
+        <p:txBody>
+          <a:bodyPr>
+            <a:normAutofit/>
+          </a:bodyPr>
+          <a:lstStyle/>
+          <a:p>
+            <a:pPr>
+              <a:buFont typeface="Arial" panose="020B0604020202020204" pitchFamily="34" charset="0"/>
+              <a:buChar char="•"/>
+            </a:pPr>
+            <a:r>
+              <a:rPr lang="de-DE" sz="2200" b="1" i="1" dirty="0"/>
+              <a:t>Lässt sich die Software ggf. in mehreren parallelen Teams entwickeln, oder ist die Kopplung </a:t>
+            </a:r>
+            <a:r>
+              <a:rPr lang="de-DE" sz="2200" b="1" i="1" dirty="0" smtClean="0"/>
+              <a:t>der Komponenten </a:t>
+            </a:r>
+            <a:r>
+              <a:rPr lang="de-DE" sz="2200" b="1" i="1" dirty="0"/>
+              <a:t>zu eng? </a:t>
+            </a:r>
+            <a:endParaRPr lang="de-DE" sz="2200" b="1" i="1" dirty="0" smtClean="0"/>
+          </a:p>
+          <a:p>
+            <a:pPr lvl="1">
+              <a:buFont typeface="Arial" panose="020B0604020202020204" pitchFamily="34" charset="0"/>
+              <a:buChar char="•"/>
+            </a:pPr>
+            <a:r>
+              <a:rPr lang="de-DE" sz="2000" dirty="0" smtClean="0"/>
+              <a:t>Die Komponenten des Systems sind lose gekoppelt</a:t>
+            </a:r>
+          </a:p>
+          <a:p>
+            <a:pPr lvl="2">
+              <a:buFont typeface="Arial" panose="020B0604020202020204" pitchFamily="34" charset="0"/>
+              <a:buChar char="•"/>
+            </a:pPr>
+            <a:r>
+              <a:rPr lang="de-DE" sz="1800" dirty="0" smtClean="0"/>
+              <a:t>Die Zuständigkeiten der einzelnen Services sind kohärent</a:t>
+            </a:r>
+          </a:p>
+          <a:p>
+            <a:pPr lvl="1">
+              <a:buFont typeface="Arial" panose="020B0604020202020204" pitchFamily="34" charset="0"/>
+              <a:buChar char="•"/>
+            </a:pPr>
+            <a:r>
+              <a:rPr lang="de-DE" sz="2000" dirty="0" smtClean="0"/>
+              <a:t>Dadurch lässt sich das System gut in parallelen Teams entwickeln</a:t>
+            </a:r>
+          </a:p>
+          <a:p>
+            <a:pPr lvl="2">
+              <a:buFont typeface="Arial" panose="020B0604020202020204" pitchFamily="34" charset="0"/>
+              <a:buChar char="•"/>
+            </a:pPr>
+            <a:r>
+              <a:rPr lang="de-DE" sz="1800" dirty="0" smtClean="0"/>
+              <a:t>z. B.: Wenn intern REST-Schnittstellen verwendet werden und diese klar spezifiziert sind.</a:t>
+            </a:r>
+          </a:p>
+          <a:p>
+            <a:pPr lvl="1">
+              <a:buFont typeface="Arial" panose="020B0604020202020204" pitchFamily="34" charset="0"/>
+              <a:buChar char="•"/>
+            </a:pPr>
+            <a:r>
+              <a:rPr lang="de-DE" sz="2000" dirty="0" smtClean="0"/>
+              <a:t>Die Plan-DB ist etwas zu stark an die anderen Komponenten gekoppelt</a:t>
+            </a:r>
+          </a:p>
+          <a:p>
+            <a:pPr lvl="1">
+              <a:buFont typeface="Arial" panose="020B0604020202020204" pitchFamily="34" charset="0"/>
+              <a:buChar char="•"/>
+            </a:pPr>
+            <a:r>
+              <a:rPr lang="de-DE" sz="2000" dirty="0" smtClean="0"/>
+              <a:t>Optimierungsvorschlag:</a:t>
+            </a:r>
+          </a:p>
+          <a:p>
+            <a:pPr lvl="2">
+              <a:buFont typeface="Arial" panose="020B0604020202020204" pitchFamily="34" charset="0"/>
+              <a:buChar char="•"/>
+            </a:pPr>
+            <a:r>
+              <a:rPr lang="de-DE" sz="1800" dirty="0" smtClean="0"/>
+              <a:t>Die Verbindung zwischen Plan-DB und Email-Service entfernen</a:t>
+            </a:r>
+          </a:p>
+          <a:p>
+            <a:pPr lvl="2">
+              <a:buFont typeface="Arial" panose="020B0604020202020204" pitchFamily="34" charset="0"/>
+              <a:buChar char="•"/>
+            </a:pPr>
+            <a:r>
+              <a:rPr lang="de-DE" sz="1800" dirty="0" smtClean="0"/>
+              <a:t>Der Plan-Service könnte nach erfolgreicher Speicherung eines Wochenplans, </a:t>
+            </a:r>
+            <a:br>
+              <a:rPr lang="de-DE" sz="1800" dirty="0" smtClean="0"/>
+            </a:br>
+            <a:r>
+              <a:rPr lang="de-DE" sz="1800" dirty="0" smtClean="0"/>
+              <a:t>direkt den E-Mailservice für das Versenden der Wochenpläne, nutzen.</a:t>
+            </a:r>
+          </a:p>
+          <a:p>
+            <a:pPr lvl="2">
+              <a:buFont typeface="Arial" panose="020B0604020202020204" pitchFamily="34" charset="0"/>
+              <a:buChar char="•"/>
+            </a:pPr>
+            <a:endParaRPr lang="de-DE" sz="1600" dirty="0" smtClean="0"/>
+          </a:p>
+          <a:p>
+            <a:pPr marL="0" indent="0">
+              <a:buNone/>
+            </a:pPr>
+            <a:endParaRPr lang="de-DE" dirty="0"/>
+          </a:p>
+        </p:txBody>
+      </p:sp>
+    </p:spTree>
+    <p:extLst>
+      <p:ext uri="{BB962C8B-B14F-4D97-AF65-F5344CB8AC3E}">
+        <p14:creationId xmlns:p14="http://schemas.microsoft.com/office/powerpoint/2010/main" val="4182386084"/>
+      </p:ext>
+    </p:extLst>
+  </p:cSld>
+  <p:clrMapOvr>
+    <a:masterClrMapping/>
+  </p:clrMapOvr>
+  <p:timing>
+    <p:tnLst>
+      <p:par>
+        <p:cTn id="1" dur="indefinite" restart="never" nodeType="tmRoot"/>
+      </p:par>
+    </p:tnLst>
+  </p:timing>
+</p:sld>
+</file>
+
+<file path=ppt/slides/slide15.xml><?xml version="1.0" encoding="utf-8"?>
+<p:sld xmlns:a="http://schemas.openxmlformats.org/drawingml/2006/main" xmlns:r="http://schemas.openxmlformats.org/officeDocument/2006/relationships" xmlns:p="http://schemas.openxmlformats.org/presentationml/2006/main">
+  <p:cSld>
+    <p:spTree>
+      <p:nvGrpSpPr>
+        <p:cNvPr id="1" name=""/>
+        <p:cNvGrpSpPr/>
+        <p:nvPr/>
+      </p:nvGrpSpPr>
+      <p:grpSpPr>
+        <a:xfrm>
+          <a:off x="0" y="0"/>
+          <a:ext cx="0" cy="0"/>
+          <a:chOff x="0" y="0"/>
+          <a:chExt cx="0" cy="0"/>
+        </a:xfrm>
+      </p:grpSpPr>
+      <p:sp>
+        <p:nvSpPr>
+          <p:cNvPr id="2" name="Titel 1"/>
+          <p:cNvSpPr>
+            <a:spLocks noGrp="1"/>
+          </p:cNvSpPr>
+          <p:nvPr>
+            <p:ph type="title"/>
+          </p:nvPr>
+        </p:nvSpPr>
+        <p:spPr/>
+        <p:txBody>
+          <a:bodyPr/>
+          <a:lstStyle/>
+          <a:p>
+            <a:r>
+              <a:rPr lang="de-DE" dirty="0" smtClean="0"/>
+              <a:t>Architekturbewertung – Allgemein (</a:t>
+            </a:r>
+            <a:r>
+              <a:rPr lang="de-DE" dirty="0"/>
+              <a:t>7</a:t>
+            </a:r>
+            <a:r>
+              <a:rPr lang="de-DE" dirty="0" smtClean="0"/>
+              <a:t>/7)</a:t>
+            </a:r>
+            <a:endParaRPr lang="de-DE" dirty="0"/>
+          </a:p>
+        </p:txBody>
+      </p:sp>
+      <p:sp>
+        <p:nvSpPr>
+          <p:cNvPr id="3" name="Inhaltsplatzhalter 2"/>
+          <p:cNvSpPr>
+            <a:spLocks noGrp="1"/>
+          </p:cNvSpPr>
+          <p:nvPr>
+            <p:ph idx="1"/>
+          </p:nvPr>
+        </p:nvSpPr>
+        <p:spPr/>
+        <p:txBody>
+          <a:bodyPr>
+            <a:normAutofit/>
+          </a:bodyPr>
+          <a:lstStyle/>
+          <a:p>
             <a:pPr>
               <a:buFont typeface="Arial" panose="020B0604020202020204" pitchFamily="34" charset="0"/>
               <a:buChar char="•"/>
@@ -4645,7 +4951,7 @@
             </a:r>
             <a:r>
               <a:rPr lang="de-DE" dirty="0" smtClean="0"/>
-              <a:t>-Daten werden nicht direkt gelesen sondern über den </a:t>
+              <a:t>-Daten werden nicht direkt gelesen, sondern über den </a:t>
             </a:r>
             <a:r>
               <a:rPr lang="de-DE" dirty="0" err="1" smtClean="0"/>
@@ -4719,7 +5025,11 @@
           <a:p>
             <a:r>
               <a:rPr lang="de-DE" dirty="0" smtClean="0"/>
-              <a:t>Analyseergebnisse – Userservice (1/6) </a:t>
+              <a:t>Analyseergebnisse – Userservice </a:t>
+            </a:r>
+            <a:r>
+              <a:rPr lang="de-DE" smtClean="0"/>
+              <a:t>(1/7) </a:t>
             </a:r>
             <a:endParaRPr lang="de-DE" dirty="0"/>
           </a:p>
@@ -4859,7 +5169,7 @@
             </a:pPr>
             <a:r>
               <a:rPr lang="de-DE" sz="2000" dirty="0" smtClean="0"/>
-              <a:t>Nachteil: Eventuell mühsame Konfiguration der LDAP-Komponente in Verbindung mit </a:t>
+              <a:t>Nachteil: Eventuell mühsame Konfiguration der LDAP-Komponente, in Verbindung mit </a:t>
             </a:r>
             <a:r>
               <a:rPr lang="de-DE" sz="2000" dirty="0" err="1" smtClean="0"/>
@@ -4946,7 +5256,7 @@
             </a:r>
             <a:r>
               <a:rPr lang="de-DE" dirty="0" smtClean="0"/>
-              <a:t> (2/6) </a:t>
+              <a:t> (2/7) </a:t>
             </a:r>
             <a:endParaRPr lang="de-DE" dirty="0"/>
           </a:p>
@@ -5133,7 +5443,7 @@
             </a:pPr>
             <a:r>
               <a:rPr lang="de-DE" sz="2000" dirty="0" smtClean="0"/>
-              <a:t>Nutzen max. für höhere Ausfalltoleranz -&gt; </a:t>
+              <a:t>Nutzen für höhere Ausfalltoleranz -&gt; </a:t>
             </a:r>
             <a:r>
               <a:rPr lang="de-DE" sz="2000" dirty="0" err="1" smtClean="0"/>
@@ -5211,7 +5521,7 @@
             </a:r>
             <a:r>
               <a:rPr lang="de-DE" dirty="0" smtClean="0"/>
-              <a:t>– Plan-UI(3/6) </a:t>
+              <a:t>– Plan-UI (3/7) </a:t>
             </a:r>
             <a:endParaRPr lang="de-DE" dirty="0"/>
           </a:p>
@@ -5278,7 +5588,14 @@
             </a:r>
             <a:r>
               <a:rPr lang="de-DE" sz="2200" b="1" dirty="0" smtClean="0"/>
-              <a:t>-App implementiert. Twitter Bootstrap und </a:t>
+              <a:t>-App implementiert werden. </a:t>
+            </a:r>
+            <a:br>
+              <a:rPr lang="de-DE" sz="2200" b="1" dirty="0" smtClean="0"/>
+            </a:br>
+            <a:r>
+              <a:rPr lang="de-DE" sz="2200" b="1" dirty="0" smtClean="0"/>
+              <a:t>Twitter Bootstrap und </a:t>
             </a:r>
             <a:r>
               <a:rPr lang="de-DE" sz="2200" b="1" dirty="0" err="1" smtClean="0"/>
@@ -5321,17 +5638,36 @@
               <a:t>Qt</a:t>
             </a:r>
             <a:r>
+              <a:rPr lang="de-DE" sz="2000" dirty="0" smtClean="0"/>
+              <a:t>), </a:t>
+            </a:r>
+            <a:r>
               <a:rPr lang="de-DE" sz="2000" dirty="0"/>
-              <a:t>) eignet sich </a:t>
-            </a:r>
-            <a:r>
-              <a:rPr lang="de-DE" sz="2000" dirty="0" err="1"/>
-              <a:t>evtl</a:t>
+              <a:t>eignet sich </a:t>
+            </a:r>
+            <a:r>
+              <a:rPr lang="de-DE" sz="2000" dirty="0" smtClean="0"/>
+              <a:t>evtl. </a:t>
             </a:r>
             <a:r>
               <a:rPr lang="de-DE" sz="2000" dirty="0"/>
-              <a:t> besser.</a:t>
-            </a:r>
+              <a:t>besser</a:t>
+            </a:r>
+            <a:r>
+              <a:rPr lang="de-DE" sz="2000" dirty="0" smtClean="0"/>
+              <a:t>.</a:t>
+            </a:r>
+          </a:p>
+          <a:p>
+            <a:pPr lvl="2">
+              <a:buFont typeface="Arial" panose="020B0604020202020204" pitchFamily="34" charset="0"/>
+              <a:buChar char="•"/>
+            </a:pPr>
+            <a:r>
+              <a:rPr lang="de-DE" sz="1800" dirty="0" smtClean="0"/>
+              <a:t>Steigerung der Usability</a:t>
+            </a:r>
+            <a:endParaRPr lang="de-DE" sz="1800" dirty="0"/>
           </a:p>
           <a:p>
             <a:pPr lvl="1">
@@ -5340,7 +5676,23 @@
             </a:pPr>
             <a:r>
               <a:rPr lang="de-DE" sz="2000" dirty="0"/>
-              <a:t>Von Außen: Prüfung ob Client auf dem die Plan-UI gestartet wird sich im Intranet befindet.</a:t>
+              <a:t>Von Außen: Prüfung ob </a:t>
+            </a:r>
+            <a:r>
+              <a:rPr lang="de-DE" sz="2000" dirty="0" smtClean="0"/>
+              <a:t>sich der Client, </a:t>
+            </a:r>
+            <a:r>
+              <a:rPr lang="de-DE" sz="2000" dirty="0"/>
+              <a:t>auf dem die Plan-UI </a:t>
+            </a:r>
+            <a:r>
+              <a:rPr lang="de-DE" sz="2000" dirty="0" smtClean="0"/>
+              <a:t>gestartet wird, im </a:t>
+            </a:r>
+            <a:r>
+              <a:rPr lang="de-DE" sz="2000" dirty="0"/>
+              <a:t>Intranet befindet.</a:t>
             </a:r>
             <a:endParaRPr lang="de-DE" sz="2000" dirty="0" smtClean="0"/>
           </a:p>
@@ -5404,7 +5756,7 @@
             </a:r>
             <a:r>
               <a:rPr lang="de-DE" dirty="0" smtClean="0"/>
-              <a:t>Plan-Service (4/6) </a:t>
+              <a:t>Plan-Service (4/7) </a:t>
             </a:r>
             <a:endParaRPr lang="de-DE" dirty="0"/>
           </a:p>
@@ -5568,7 +5920,31 @@
             </a:pPr>
             <a:r>
               <a:rPr lang="de-DE" sz="2200" dirty="0"/>
-              <a:t>Backboard-Agenten zum Erkennen und lernen von Mustern aus den Eingaben der Planer erscheint sinnvoll</a:t>
+              <a:t>Backboard-Agenten zum Erkennen und </a:t>
+            </a:r>
+            <a:r>
+              <a:rPr lang="de-DE" sz="2200" dirty="0" smtClean="0"/>
+              <a:t>Lernen </a:t>
+            </a:r>
+            <a:r>
+              <a:rPr lang="de-DE" sz="2200" dirty="0"/>
+              <a:t>von </a:t>
+            </a:r>
+            <a:r>
+              <a:rPr lang="de-DE" sz="2200" dirty="0" smtClean="0"/>
+              <a:t>Mustern, </a:t>
+            </a:r>
+            <a:r>
+              <a:rPr lang="de-DE" sz="2200" dirty="0"/>
+              <a:t>aus den Eingaben der </a:t>
+            </a:r>
+            <a:r>
+              <a:rPr lang="de-DE" sz="2200" dirty="0" smtClean="0"/>
+              <a:t>Planer </a:t>
+            </a:r>
+            <a:r>
+              <a:rPr lang="de-DE" sz="2200" dirty="0"/>
+              <a:t>erscheint sinnvoll</a:t>
             </a:r>
           </a:p>
           <a:p>
@@ -5673,7 +6049,7 @@
             </a:r>
             <a:r>
               <a:rPr lang="de-DE" dirty="0" smtClean="0"/>
-              <a:t>Plan-DB(4/6) </a:t>
+              <a:t>Plan-DB(5/7) </a:t>
             </a:r>
             <a:endParaRPr lang="de-DE" dirty="0"/>
           </a:p>
@@ -5780,7 +6156,7 @@
             </a:pPr>
             <a:r>
               <a:rPr lang="de-DE" sz="1800" dirty="0" smtClean="0"/>
-              <a:t>Es gibt viele </a:t>
+              <a:t>Es gibt viele „</a:t>
             </a:r>
             <a:r>
               <a:rPr lang="de-DE" sz="1800" dirty="0" err="1" smtClean="0"/>
@@ -5788,7 +6164,7 @@
             </a:r>
             <a:r>
               <a:rPr lang="de-DE" sz="1800" dirty="0" smtClean="0"/>
-              <a:t> die den Zugriff auf Datenbanken sehr einfach machen.</a:t>
+              <a:t>“ die den Zugriff auf Datenbanken sehr einfach machen.</a:t>
             </a:r>
           </a:p>
           <a:p>
@@ -5817,7 +6193,7 @@
               <a:buChar char="•"/>
             </a:pPr>
             <a:r>
-              <a:rPr lang="de-DE" sz="2000" dirty="0" smtClean="0"/>
+              <a:rPr lang="de-DE" sz="1800" dirty="0" smtClean="0"/>
               <a:t>Zusatzaufwand</a:t>
             </a:r>
           </a:p>
@@ -5827,14 +6203,14 @@
               <a:buChar char="•"/>
             </a:pPr>
             <a:r>
-              <a:rPr lang="de-DE" sz="2000" dirty="0" smtClean="0"/>
+              <a:rPr lang="de-DE" sz="1800" dirty="0" smtClean="0"/>
               <a:t>Mehr </a:t>
             </a:r>
             <a:r>
-              <a:rPr lang="de-DE" sz="2000" dirty="0" err="1" smtClean="0"/>
+              <a:rPr lang="de-DE" sz="1800" dirty="0" err="1" smtClean="0"/>
               <a:t>Hardwareresourcen</a:t>
             </a:r>
-            <a:endParaRPr lang="de-DE" sz="2000" dirty="0" smtClean="0"/>
+            <a:endParaRPr lang="de-DE" sz="1800" dirty="0" smtClean="0"/>
           </a:p>
           <a:p>
             <a:pPr lvl="2">
@@ -5842,10 +6218,10 @@
               <a:buChar char="•"/>
             </a:pPr>
             <a:r>
-              <a:rPr lang="de-DE" sz="2000" dirty="0" err="1" smtClean="0"/>
+              <a:rPr lang="de-DE" sz="1800" dirty="0" err="1" smtClean="0"/>
               <a:t>Delayzeiten</a:t>
             </a:r>
-            <a:endParaRPr lang="de-DE" sz="2000" dirty="0"/>
+            <a:endParaRPr lang="de-DE" sz="1800" dirty="0"/>
           </a:p>
           <a:p>
             <a:pPr lvl="1">
@@ -5917,15 +6293,7 @@
             </a:r>
             <a:r>
               <a:rPr lang="de-DE" dirty="0" smtClean="0"/>
-              <a:t>E-Mailservice </a:t>
-            </a:r>
-            <a:r>
-              <a:rPr lang="de-DE" dirty="0"/>
-              <a:t>(</a:t>
-            </a:r>
-            <a:r>
-              <a:rPr lang="de-DE" dirty="0" smtClean="0"/>
-              <a:t>5/6) </a:t>
+              <a:t>E-Mailservice (6/7) </a:t>
             </a:r>
             <a:endParaRPr lang="de-DE" dirty="0"/>
           </a:p>
@@ -5997,7 +6365,6 @@
               <a:rPr lang="de-DE" sz="2000" dirty="0" smtClean="0"/>
               <a:t> -&gt; einfaches Node.js Modul zum Versenden von E-Mails</a:t>
             </a:r>
-            <a:endParaRPr lang="de-DE" sz="2000" dirty="0" smtClean="0"/>
           </a:p>
           <a:p>
             <a:pPr lvl="1">
@@ -6006,13 +6373,8 @@
             </a:pPr>
             <a:r>
               <a:rPr lang="de-DE" sz="2000" dirty="0" smtClean="0"/>
-              <a:t>Nachteil: </a:t>
-            </a:r>
-            <a:r>
-              <a:rPr lang="de-DE" sz="2000" dirty="0" smtClean="0"/>
-              <a:t>bisher nicht bekannt</a:t>
-            </a:r>
-            <a:endParaRPr lang="de-DE" sz="2000" dirty="0" smtClean="0"/>
+              <a:t>Nachteil: bisher nicht bekannt</a:t>
+            </a:r>
           </a:p>
         </p:txBody>
       </p:sp>
@@ -6082,7 +6444,15 @@
             </a:r>
             <a:r>
               <a:rPr lang="de-DE" dirty="0" smtClean="0"/>
-              <a:t>(6/6) </a:t>
+              <a:t>(</a:t>
+            </a:r>
+            <a:r>
+              <a:rPr lang="de-DE" dirty="0"/>
+              <a:t>7</a:t>
+            </a:r>
+            <a:r>
+              <a:rPr lang="de-DE" dirty="0" smtClean="0"/>
+              <a:t>/7) </a:t>
             </a:r>
             <a:endParaRPr lang="de-DE" dirty="0"/>
           </a:p>
@@ -6231,7 +6601,7 @@
             </a:pPr>
             <a:r>
               <a:rPr lang="de-DE" sz="1800" dirty="0" smtClean="0"/>
-              <a:t>Wieder eine Programmiersprache mehr die vom Entwicklerteam beherrscht werden muss</a:t>
+              <a:t>Wieder eine Programmiersprache mehr, die vom Entwicklerteam beherrscht werden muss</a:t>
             </a:r>
           </a:p>
           <a:p>
@@ -6321,11 +6691,7 @@
           <a:p>
             <a:r>
               <a:rPr lang="de-DE" dirty="0" smtClean="0"/>
-              <a:t>Architekturbewertung – Allgemein (</a:t>
-            </a:r>
-            <a:r>
-              <a:rPr lang="de-DE" dirty="0" smtClean="0"/>
-              <a:t>1/4)</a:t>
+              <a:t>Architekturbewertung – Allgemein (1/7)</a:t>
             </a:r>
             <a:endParaRPr lang="de-DE" dirty="0"/>
           </a:p>

--- a/Aufgaben/P4/Loesung/Wochenplansoftware - Architekturbewertung.pptx
+++ b/Aufgaben/P4/Loesung/Wochenplansoftware - Architekturbewertung.pptx
@@ -18,8 +18,7 @@
     <p:sldId id="267" r:id="rId12"/>
     <p:sldId id="266" r:id="rId13"/>
     <p:sldId id="269" r:id="rId14"/>
-    <p:sldId id="270" r:id="rId15"/>
-    <p:sldId id="268" r:id="rId16"/>
+    <p:sldId id="268" r:id="rId15"/>
   </p:sldIdLst>
   <p:sldSz cx="12192000" cy="6858000"/>
   <p:notesSz cx="6858000" cy="9144000"/>
@@ -352,7 +351,7 @@
           <a:p>
             <a:fld id="{4BDF68E2-58F2-4D09-BE8B-E3BD06533059}" type="datetimeFigureOut">
               <a:rPr lang="en-US" dirty="0"/>
-              <a:t>6/8/2016</a:t>
+              <a:t>6/9/2016</a:t>
             </a:fld>
             <a:endParaRPr lang="en-US" dirty="0"/>
           </a:p>
@@ -555,7 +554,7 @@
           <a:p>
             <a:fld id="{2E2D6473-DF6D-4702-B328-E0DD40540A4E}" type="datetimeFigureOut">
               <a:rPr lang="en-US" dirty="0"/>
-              <a:t>6/8/2016</a:t>
+              <a:t>6/9/2016</a:t>
             </a:fld>
             <a:endParaRPr lang="en-US" dirty="0"/>
           </a:p>
@@ -806,7 +805,7 @@
           <a:p>
             <a:fld id="{E26F7E3A-B166-407D-9866-32884E7D5B37}" type="datetimeFigureOut">
               <a:rPr lang="en-US" dirty="0"/>
-              <a:t>6/8/2016</a:t>
+              <a:t>6/9/2016</a:t>
             </a:fld>
             <a:endParaRPr lang="en-US" dirty="0"/>
           </a:p>
@@ -975,7 +974,7 @@
           <a:p>
             <a:fld id="{528FC5F6-F338-4AE4-BB23-26385BCFC423}" type="datetimeFigureOut">
               <a:rPr lang="en-US" dirty="0"/>
-              <a:t>6/8/2016</a:t>
+              <a:t>6/9/2016</a:t>
             </a:fld>
             <a:endParaRPr lang="en-US" dirty="0"/>
           </a:p>
@@ -1313,7 +1312,7 @@
           <a:p>
             <a:fld id="{20EBB0C4-6273-4C6E-B9BD-2EDC30F1CD52}" type="datetimeFigureOut">
               <a:rPr lang="en-US" dirty="0"/>
-              <a:t>6/8/2016</a:t>
+              <a:t>6/9/2016</a:t>
             </a:fld>
             <a:endParaRPr lang="en-US" dirty="0"/>
           </a:p>
@@ -1583,7 +1582,7 @@
           <a:p>
             <a:fld id="{19AB4D41-86C1-4908-B66A-0B50CEB3BF29}" type="datetimeFigureOut">
               <a:rPr lang="en-US" dirty="0"/>
-              <a:t>6/8/2016</a:t>
+              <a:t>6/9/2016</a:t>
             </a:fld>
             <a:endParaRPr lang="en-US" dirty="0"/>
           </a:p>
@@ -1957,7 +1956,7 @@
           <a:p>
             <a:fld id="{E6426E2C-56C1-4E0D-A793-0088A7FDD37E}" type="datetimeFigureOut">
               <a:rPr lang="en-US" dirty="0"/>
-              <a:t>6/8/2016</a:t>
+              <a:t>6/9/2016</a:t>
             </a:fld>
             <a:endParaRPr lang="en-US" dirty="0"/>
           </a:p>
@@ -2070,7 +2069,7 @@
           <a:p>
             <a:fld id="{C8C39B41-D8B5-4052-B551-9B5525EAA8B6}" type="datetimeFigureOut">
               <a:rPr lang="en-US" dirty="0"/>
-              <a:t>6/8/2016</a:t>
+              <a:t>6/9/2016</a:t>
             </a:fld>
             <a:endParaRPr lang="en-US" dirty="0"/>
           </a:p>
@@ -2236,7 +2235,7 @@
           <a:p>
             <a:fld id="{4D94136C-8742-45B2-AF27-D93DF72833A9}" type="datetimeFigureOut">
               <a:rPr lang="en-US" dirty="0"/>
-              <a:t>6/8/2016</a:t>
+              <a:t>6/9/2016</a:t>
             </a:fld>
             <a:endParaRPr lang="en-US" dirty="0"/>
           </a:p>
@@ -2586,7 +2585,7 @@
           <a:p>
             <a:fld id="{32ABBEA6-7C60-4B02-AE87-00D78D8422AF}" type="datetimeFigureOut">
               <a:rPr lang="en-US" dirty="0"/>
-              <a:t>6/8/2016</a:t>
+              <a:t>6/9/2016</a:t>
             </a:fld>
             <a:endParaRPr lang="en-US" dirty="0"/>
           </a:p>
@@ -2964,7 +2963,7 @@
           <a:p>
             <a:fld id="{C9CAD897-D46E-4AD2-BD9B-49DD3E640873}" type="datetimeFigureOut">
               <a:rPr lang="en-US" dirty="0"/>
-              <a:t>6/8/2016</a:t>
+              <a:t>6/9/2016</a:t>
             </a:fld>
             <a:endParaRPr lang="en-US" dirty="0"/>
           </a:p>
@@ -3246,7 +3245,7 @@
           <a:p>
             <a:fld id="{98624D31-43A5-475A-80CF-332C9F6DCF35}" type="datetimeFigureOut">
               <a:rPr lang="en-US" dirty="0"/>
-              <a:t>6/8/2016</a:t>
+              <a:t>6/9/2016</a:t>
             </a:fld>
             <a:endParaRPr lang="en-US" dirty="0"/>
           </a:p>
@@ -3887,7 +3886,11 @@
           <a:p>
             <a:r>
               <a:rPr lang="de-DE" dirty="0" smtClean="0"/>
-              <a:t>Architekturbewertung – Allgemein (2/7)</a:t>
+              <a:t>Architekturbewertung – Allgemein </a:t>
+            </a:r>
+            <a:r>
+              <a:rPr lang="de-DE" dirty="0" smtClean="0"/>
+              <a:t>(2/6)</a:t>
             </a:r>
             <a:endParaRPr lang="de-DE" dirty="0"/>
           </a:p>
@@ -4117,7 +4120,11 @@
           <a:p>
             <a:r>
               <a:rPr lang="de-DE" dirty="0" smtClean="0"/>
-              <a:t>Architekturbewertung – Allgemein (3/7)</a:t>
+              <a:t>Architekturbewertung – Allgemein </a:t>
+            </a:r>
+            <a:r>
+              <a:rPr lang="de-DE" dirty="0" smtClean="0"/>
+              <a:t>(3/6)</a:t>
             </a:r>
             <a:endParaRPr lang="de-DE" dirty="0"/>
           </a:p>
@@ -4299,7 +4306,11 @@
           <a:p>
             <a:r>
               <a:rPr lang="de-DE" dirty="0" smtClean="0"/>
-              <a:t>Architekturbewertung – Allgemein (4/7)</a:t>
+              <a:t>Architekturbewertung – Allgemein </a:t>
+            </a:r>
+            <a:r>
+              <a:rPr lang="de-DE" dirty="0" smtClean="0"/>
+              <a:t>(4/6)</a:t>
             </a:r>
             <a:endParaRPr lang="de-DE" dirty="0"/>
           </a:p>
@@ -4489,7 +4500,11 @@
           <a:p>
             <a:r>
               <a:rPr lang="de-DE" dirty="0" smtClean="0"/>
-              <a:t>Architekturbewertung – Allgemein (5/7)</a:t>
+              <a:t>Architekturbewertung – Allgemein (</a:t>
+            </a:r>
+            <a:r>
+              <a:rPr lang="de-DE" dirty="0" smtClean="0"/>
+              <a:t>5/6)</a:t>
             </a:r>
             <a:endParaRPr lang="de-DE" dirty="0"/>
           </a:p>
@@ -4609,212 +4624,19 @@
           <a:p>
             <a:r>
               <a:rPr lang="de-DE" dirty="0" smtClean="0"/>
-              <a:t>Architekturbewertung – Allgemein (6/7)</a:t>
-            </a:r>
-            <a:endParaRPr lang="de-DE" dirty="0"/>
-          </a:p>
-        </p:txBody>
-      </p:sp>
-      <p:sp>
-        <p:nvSpPr>
-          <p:cNvPr id="3" name="Inhaltsplatzhalter 2"/>
-          <p:cNvSpPr>
-            <a:spLocks noGrp="1"/>
-          </p:cNvSpPr>
-          <p:nvPr>
-            <p:ph idx="1"/>
-          </p:nvPr>
-        </p:nvSpPr>
-        <p:spPr/>
-        <p:txBody>
-          <a:bodyPr>
-            <a:normAutofit/>
-          </a:bodyPr>
-          <a:lstStyle/>
-          <a:p>
-            <a:pPr>
-              <a:buFont typeface="Arial" panose="020B0604020202020204" pitchFamily="34" charset="0"/>
-              <a:buChar char="•"/>
-            </a:pPr>
-            <a:r>
-              <a:rPr lang="de-DE" sz="2200" b="1" i="1" dirty="0"/>
-              <a:t>Lässt sich die Software ggf. in mehreren parallelen Teams entwickeln, oder ist die Kopplung </a:t>
-            </a:r>
-            <a:r>
-              <a:rPr lang="de-DE" sz="2200" b="1" i="1" dirty="0" smtClean="0"/>
-              <a:t>der Komponenten </a:t>
-            </a:r>
-            <a:r>
-              <a:rPr lang="de-DE" sz="2200" b="1" i="1" dirty="0"/>
-              <a:t>zu eng? </a:t>
-            </a:r>
-            <a:endParaRPr lang="de-DE" sz="2200" b="1" i="1" dirty="0" smtClean="0"/>
-          </a:p>
-          <a:p>
-            <a:pPr lvl="1">
-              <a:buFont typeface="Arial" panose="020B0604020202020204" pitchFamily="34" charset="0"/>
-              <a:buChar char="•"/>
-            </a:pPr>
-            <a:r>
-              <a:rPr lang="de-DE" sz="2000" dirty="0" smtClean="0"/>
-              <a:t>Die Komponenten des Systems sind lose gekoppelt</a:t>
-            </a:r>
-          </a:p>
-          <a:p>
-            <a:pPr lvl="2">
-              <a:buFont typeface="Arial" panose="020B0604020202020204" pitchFamily="34" charset="0"/>
-              <a:buChar char="•"/>
-            </a:pPr>
-            <a:r>
-              <a:rPr lang="de-DE" sz="1800" dirty="0" smtClean="0"/>
-              <a:t>Die Zuständigkeiten der einzelnen Services sind kohärent</a:t>
-            </a:r>
-          </a:p>
-          <a:p>
-            <a:pPr lvl="1">
-              <a:buFont typeface="Arial" panose="020B0604020202020204" pitchFamily="34" charset="0"/>
-              <a:buChar char="•"/>
-            </a:pPr>
-            <a:r>
-              <a:rPr lang="de-DE" sz="2000" dirty="0" smtClean="0"/>
-              <a:t>Dadurch lässt sich das System gut in parallelen Teams entwickeln</a:t>
-            </a:r>
-          </a:p>
-          <a:p>
-            <a:pPr lvl="2">
-              <a:buFont typeface="Arial" panose="020B0604020202020204" pitchFamily="34" charset="0"/>
-              <a:buChar char="•"/>
-            </a:pPr>
-            <a:r>
-              <a:rPr lang="de-DE" sz="1800" dirty="0" smtClean="0"/>
-              <a:t>z. B.: Wenn intern REST-Schnittstellen verwendet werden und diese klar spezifiziert sind.</a:t>
-            </a:r>
-          </a:p>
-          <a:p>
-            <a:pPr lvl="1">
-              <a:buFont typeface="Arial" panose="020B0604020202020204" pitchFamily="34" charset="0"/>
-              <a:buChar char="•"/>
-            </a:pPr>
-            <a:r>
-              <a:rPr lang="de-DE" sz="2000" dirty="0" smtClean="0"/>
-              <a:t>Die Plan-DB ist etwas zu stark an die anderen Komponenten gekoppelt</a:t>
-            </a:r>
-          </a:p>
-          <a:p>
-            <a:pPr lvl="1">
-              <a:buFont typeface="Arial" panose="020B0604020202020204" pitchFamily="34" charset="0"/>
-              <a:buChar char="•"/>
-            </a:pPr>
-            <a:r>
-              <a:rPr lang="de-DE" sz="2000" dirty="0" smtClean="0"/>
-              <a:t>Optimierungsvorschlag:</a:t>
-            </a:r>
-          </a:p>
-          <a:p>
-            <a:pPr lvl="2">
-              <a:buFont typeface="Arial" panose="020B0604020202020204" pitchFamily="34" charset="0"/>
-              <a:buChar char="•"/>
-            </a:pPr>
-            <a:r>
-              <a:rPr lang="de-DE" sz="1800" dirty="0" smtClean="0"/>
-              <a:t>Die Verbindung zwischen Plan-DB und Email-Service entfernen</a:t>
-            </a:r>
-          </a:p>
-          <a:p>
-            <a:pPr lvl="2">
-              <a:buFont typeface="Arial" panose="020B0604020202020204" pitchFamily="34" charset="0"/>
-              <a:buChar char="•"/>
-            </a:pPr>
-            <a:r>
-              <a:rPr lang="de-DE" sz="1800" dirty="0" smtClean="0"/>
-              <a:t>Der Plan-Service könnte nach erfolgreicher Speicherung eines Wochenplans, </a:t>
-            </a:r>
-            <a:br>
-              <a:rPr lang="de-DE" sz="1800" dirty="0" smtClean="0"/>
-            </a:br>
-            <a:r>
-              <a:rPr lang="de-DE" sz="1800" dirty="0" smtClean="0"/>
-              <a:t>direkt den E-Mailservice für das Versenden der Wochenpläne, nutzen.</a:t>
-            </a:r>
-          </a:p>
-          <a:p>
-            <a:pPr lvl="2">
-              <a:buFont typeface="Arial" panose="020B0604020202020204" pitchFamily="34" charset="0"/>
-              <a:buChar char="•"/>
-            </a:pPr>
-            <a:endParaRPr lang="de-DE" sz="1600" dirty="0" smtClean="0"/>
-          </a:p>
-          <a:p>
-            <a:pPr marL="0" indent="0">
-              <a:buNone/>
-            </a:pPr>
-            <a:endParaRPr lang="de-DE" dirty="0"/>
-          </a:p>
-        </p:txBody>
-      </p:sp>
-    </p:spTree>
-    <p:extLst>
-      <p:ext uri="{BB962C8B-B14F-4D97-AF65-F5344CB8AC3E}">
-        <p14:creationId xmlns:p14="http://schemas.microsoft.com/office/powerpoint/2010/main" val="4182386084"/>
-      </p:ext>
-    </p:extLst>
-  </p:cSld>
-  <p:clrMapOvr>
-    <a:masterClrMapping/>
-  </p:clrMapOvr>
-  <p:timing>
-    <p:tnLst>
-      <p:par>
-        <p:cTn id="1" dur="indefinite" restart="never" nodeType="tmRoot"/>
-      </p:par>
-    </p:tnLst>
-  </p:timing>
-</p:sld>
-</file>
-
-<file path=ppt/slides/slide15.xml><?xml version="1.0" encoding="utf-8"?>
-<p:sld xmlns:a="http://schemas.openxmlformats.org/drawingml/2006/main" xmlns:r="http://schemas.openxmlformats.org/officeDocument/2006/relationships" xmlns:p="http://schemas.openxmlformats.org/presentationml/2006/main">
-  <p:cSld>
-    <p:spTree>
-      <p:nvGrpSpPr>
-        <p:cNvPr id="1" name=""/>
-        <p:cNvGrpSpPr/>
-        <p:nvPr/>
-      </p:nvGrpSpPr>
-      <p:grpSpPr>
-        <a:xfrm>
-          <a:off x="0" y="0"/>
-          <a:ext cx="0" cy="0"/>
-          <a:chOff x="0" y="0"/>
-          <a:chExt cx="0" cy="0"/>
-        </a:xfrm>
-      </p:grpSpPr>
-      <p:sp>
-        <p:nvSpPr>
-          <p:cNvPr id="2" name="Titel 1"/>
-          <p:cNvSpPr>
-            <a:spLocks noGrp="1"/>
-          </p:cNvSpPr>
-          <p:nvPr>
-            <p:ph type="title"/>
-          </p:nvPr>
-        </p:nvSpPr>
-        <p:spPr/>
-        <p:txBody>
-          <a:bodyPr/>
-          <a:lstStyle/>
-          <a:p>
+              <a:t>Architekturbewertung – Allgemein </a:t>
+            </a:r>
             <a:r>
               <a:rPr lang="de-DE" dirty="0" smtClean="0"/>
-              <a:t>Architekturbewertung – Allgemein (</a:t>
-            </a:r>
-            <a:r>
-              <a:rPr lang="de-DE" dirty="0"/>
-              <a:t>7</a:t>
+              <a:t>(</a:t>
             </a:r>
             <a:r>
               <a:rPr lang="de-DE" dirty="0" smtClean="0"/>
-              <a:t>/7)</a:t>
+              <a:t>6</a:t>
+            </a:r>
+            <a:r>
+              <a:rPr lang="de-DE" dirty="0" smtClean="0"/>
+              <a:t>/6)</a:t>
             </a:r>
             <a:endParaRPr lang="de-DE" dirty="0"/>
           </a:p>
@@ -6691,7 +6513,11 @@
           <a:p>
             <a:r>
               <a:rPr lang="de-DE" dirty="0" smtClean="0"/>
-              <a:t>Architekturbewertung – Allgemein (1/7)</a:t>
+              <a:t>Architekturbewertung – Allgemein (</a:t>
+            </a:r>
+            <a:r>
+              <a:rPr lang="de-DE" dirty="0" smtClean="0"/>
+              <a:t>1/6)</a:t>
             </a:r>
             <a:endParaRPr lang="de-DE" dirty="0"/>
           </a:p>
